--- a/parallel-path-tracing.pptx
+++ b/parallel-path-tracing.pptx
@@ -138,6 +138,11 @@
       </a:defRPr>
     </a:lvl9pPr>
   </p:defaultTextStyle>
+  <p:extLst>
+    <p:ext uri="{EFAFB233-063F-42B5-8137-9DF3F51BA10A}">
+      <p15:sldGuideLst xmlns:p15="http://schemas.microsoft.com/office/powerpoint/2012/main"/>
+    </p:ext>
+  </p:extLst>
 </p:presentation>
 </file>
 
@@ -223,7 +228,7 @@
           <a:p>
             <a:fld id="{1691A50F-757C-744F-A695-E00C1E438EF1}" type="datetimeFigureOut">
               <a:rPr lang="en-US" smtClean="0"/>
-              <a:t>9/12/19</a:t>
+              <a:t>9/13/19</a:t>
             </a:fld>
             <a:endParaRPr lang="en-US"/>
           </a:p>
@@ -2798,8 +2803,49 @@
                   </a:schemeClr>
                 </a:solidFill>
               </a:rPr>
-              <a:t>This gives us a lot more parallelism to work with, which will help to “fill the machine”.  It also sets up the following steps because we can now deal with paths individually</a:t>
-            </a:r>
+              <a:t>This gives us a lot more parallelism to work with, which will help to “fill the machine”.  It also sets up the following steps because we can now deal with paths individually. Instead of </a:t>
+            </a:r>
+            <a:r>
+              <a:rPr lang="en-US" i="1" dirty="0">
+                <a:solidFill>
+                  <a:schemeClr val="accent4">
+                    <a:lumMod val="60000"/>
+                    <a:lumOff val="40000"/>
+                  </a:schemeClr>
+                </a:solidFill>
+              </a:rPr>
+              <a:t>returning </a:t>
+            </a:r>
+            <a:r>
+              <a:rPr lang="en-US" i="0" dirty="0">
+                <a:solidFill>
+                  <a:schemeClr val="accent4">
+                    <a:lumMod val="60000"/>
+                    <a:lumOff val="40000"/>
+                  </a:schemeClr>
+                </a:solidFill>
+              </a:rPr>
+              <a:t>a value recursively, we’ll now write directly back to the image at </a:t>
+            </a:r>
+            <a:r>
+              <a:rPr lang="en-US" i="0">
+                <a:solidFill>
+                  <a:schemeClr val="accent4">
+                    <a:lumMod val="60000"/>
+                    <a:lumOff val="40000"/>
+                  </a:schemeClr>
+                </a:solidFill>
+              </a:rPr>
+              <a:t>each iteration step.</a:t>
+            </a:r>
+            <a:endParaRPr lang="en-US" dirty="0">
+              <a:solidFill>
+                <a:schemeClr val="accent4">
+                  <a:lumMod val="60000"/>
+                  <a:lumOff val="40000"/>
+                </a:schemeClr>
+              </a:solidFill>
+            </a:endParaRPr>
           </a:p>
           <a:p>
             <a:pPr marL="0" marR="0" lvl="0" indent="0" algn="l" defTabSz="914400" rtl="0" eaLnBrk="1" fontAlgn="auto" latinLnBrk="0" hangingPunct="1">
@@ -5094,7 +5140,7 @@
           <a:p>
             <a:fld id="{20B8389C-68A3-764B-85E5-2DA9CF2A0AAC}" type="datetimeFigureOut">
               <a:rPr lang="en-US" smtClean="0"/>
-              <a:t>9/12/19</a:t>
+              <a:t>9/13/19</a:t>
             </a:fld>
             <a:endParaRPr lang="en-US"/>
           </a:p>
@@ -5292,7 +5338,7 @@
           <a:p>
             <a:fld id="{20B8389C-68A3-764B-85E5-2DA9CF2A0AAC}" type="datetimeFigureOut">
               <a:rPr lang="en-US" smtClean="0"/>
-              <a:t>9/12/19</a:t>
+              <a:t>9/13/19</a:t>
             </a:fld>
             <a:endParaRPr lang="en-US"/>
           </a:p>
@@ -5500,7 +5546,7 @@
           <a:p>
             <a:fld id="{20B8389C-68A3-764B-85E5-2DA9CF2A0AAC}" type="datetimeFigureOut">
               <a:rPr lang="en-US" smtClean="0"/>
-              <a:t>9/12/19</a:t>
+              <a:t>9/13/19</a:t>
             </a:fld>
             <a:endParaRPr lang="en-US"/>
           </a:p>
@@ -7996,7 +8042,7 @@
           <a:p>
             <a:fld id="{20B8389C-68A3-764B-85E5-2DA9CF2A0AAC}" type="datetimeFigureOut">
               <a:rPr lang="en-US" smtClean="0"/>
-              <a:t>9/12/19</a:t>
+              <a:t>9/13/19</a:t>
             </a:fld>
             <a:endParaRPr lang="en-US"/>
           </a:p>
@@ -8395,7 +8441,7 @@
           <a:p>
             <a:fld id="{20B8389C-68A3-764B-85E5-2DA9CF2A0AAC}" type="datetimeFigureOut">
               <a:rPr lang="en-US" smtClean="0"/>
-              <a:t>9/12/19</a:t>
+              <a:t>9/13/19</a:t>
             </a:fld>
             <a:endParaRPr lang="en-US"/>
           </a:p>
@@ -8660,7 +8706,7 @@
           <a:p>
             <a:fld id="{20B8389C-68A3-764B-85E5-2DA9CF2A0AAC}" type="datetimeFigureOut">
               <a:rPr lang="en-US" smtClean="0"/>
-              <a:t>9/12/19</a:t>
+              <a:t>9/13/19</a:t>
             </a:fld>
             <a:endParaRPr lang="en-US"/>
           </a:p>
@@ -9072,7 +9118,7 @@
           <a:p>
             <a:fld id="{20B8389C-68A3-764B-85E5-2DA9CF2A0AAC}" type="datetimeFigureOut">
               <a:rPr lang="en-US" smtClean="0"/>
-              <a:t>9/12/19</a:t>
+              <a:t>9/13/19</a:t>
             </a:fld>
             <a:endParaRPr lang="en-US"/>
           </a:p>
@@ -9213,7 +9259,7 @@
           <a:p>
             <a:fld id="{20B8389C-68A3-764B-85E5-2DA9CF2A0AAC}" type="datetimeFigureOut">
               <a:rPr lang="en-US" smtClean="0"/>
-              <a:t>9/12/19</a:t>
+              <a:t>9/13/19</a:t>
             </a:fld>
             <a:endParaRPr lang="en-US"/>
           </a:p>
@@ -9326,7 +9372,7 @@
           <a:p>
             <a:fld id="{20B8389C-68A3-764B-85E5-2DA9CF2A0AAC}" type="datetimeFigureOut">
               <a:rPr lang="en-US" smtClean="0"/>
-              <a:t>9/12/19</a:t>
+              <a:t>9/13/19</a:t>
             </a:fld>
             <a:endParaRPr lang="en-US"/>
           </a:p>
@@ -9637,7 +9683,7 @@
           <a:p>
             <a:fld id="{20B8389C-68A3-764B-85E5-2DA9CF2A0AAC}" type="datetimeFigureOut">
               <a:rPr lang="en-US" smtClean="0"/>
-              <a:t>9/12/19</a:t>
+              <a:t>9/13/19</a:t>
             </a:fld>
             <a:endParaRPr lang="en-US"/>
           </a:p>
@@ -9925,7 +9971,7 @@
           <a:p>
             <a:fld id="{20B8389C-68A3-764B-85E5-2DA9CF2A0AAC}" type="datetimeFigureOut">
               <a:rPr lang="en-US" smtClean="0"/>
-              <a:t>9/12/19</a:t>
+              <a:t>9/13/19</a:t>
             </a:fld>
             <a:endParaRPr lang="en-US"/>
           </a:p>
@@ -10166,7 +10212,7 @@
           <a:p>
             <a:fld id="{20B8389C-68A3-764B-85E5-2DA9CF2A0AAC}" type="datetimeFigureOut">
               <a:rPr lang="en-US" smtClean="0"/>
-              <a:t>9/12/19</a:t>
+              <a:t>9/13/19</a:t>
             </a:fld>
             <a:endParaRPr lang="en-US"/>
           </a:p>
@@ -43322,12 +43368,40 @@
           <a:chExt cx="0" cy="0"/>
         </a:xfrm>
       </p:grpSpPr>
+      <p:sp>
+        <p:nvSpPr>
+          <p:cNvPr id="3" name="Title 2">
+            <a:extLst>
+              <a:ext uri="{FF2B5EF4-FFF2-40B4-BE49-F238E27FC236}">
+                <a16:creationId xmlns:a16="http://schemas.microsoft.com/office/drawing/2014/main" id="{AC64D15F-1DF1-E849-9C57-17FB7FB22059}"/>
+              </a:ext>
+            </a:extLst>
+          </p:cNvPr>
+          <p:cNvSpPr>
+            <a:spLocks noGrp="1"/>
+          </p:cNvSpPr>
+          <p:nvPr>
+            <p:ph type="title"/>
+          </p:nvPr>
+        </p:nvSpPr>
+        <p:spPr/>
+        <p:txBody>
+          <a:bodyPr/>
+          <a:lstStyle/>
+          <a:p>
+            <a:r>
+              <a:rPr lang="en-US" dirty="0"/>
+              <a:t>Clock Scaling Ended in 2008</a:t>
+            </a:r>
+          </a:p>
+        </p:txBody>
+      </p:sp>
       <p:pic>
         <p:nvPicPr>
-          <p:cNvPr id="2" name="Picture 1">
-            <a:extLst>
-              <a:ext uri="{FF2B5EF4-FFF2-40B4-BE49-F238E27FC236}">
-                <a16:creationId xmlns:a16="http://schemas.microsoft.com/office/drawing/2014/main" id="{470BA905-2BBE-9F40-9028-1337A6EEA29C}"/>
+          <p:cNvPr id="5" name="Picture 4">
+            <a:extLst>
+              <a:ext uri="{FF2B5EF4-FFF2-40B4-BE49-F238E27FC236}">
+                <a16:creationId xmlns:a16="http://schemas.microsoft.com/office/drawing/2014/main" id="{35887D74-11C4-A845-A26E-39FC240C50E1}"/>
               </a:ext>
             </a:extLst>
           </p:cNvPr>
@@ -43338,13 +43412,13 @@
         </p:nvPicPr>
         <p:blipFill rotWithShape="1">
           <a:blip r:embed="rId3"/>
-          <a:srcRect t="10503"/>
+          <a:srcRect t="5712"/>
           <a:stretch/>
         </p:blipFill>
         <p:spPr>
           <a:xfrm>
-            <a:off x="838200" y="1552753"/>
-            <a:ext cx="9668774" cy="5274361"/>
+            <a:off x="1513908" y="1382233"/>
+            <a:ext cx="9164183" cy="5475767"/>
           </a:xfrm>
           <a:prstGeom prst="rect">
             <a:avLst/>
@@ -43353,29 +43427,38 @@
       </p:pic>
       <p:sp>
         <p:nvSpPr>
-          <p:cNvPr id="3" name="Title 2">
-            <a:extLst>
-              <a:ext uri="{FF2B5EF4-FFF2-40B4-BE49-F238E27FC236}">
-                <a16:creationId xmlns:a16="http://schemas.microsoft.com/office/drawing/2014/main" id="{AC64D15F-1DF1-E849-9C57-17FB7FB22059}"/>
-              </a:ext>
-            </a:extLst>
-          </p:cNvPr>
-          <p:cNvSpPr>
-            <a:spLocks noGrp="1"/>
-          </p:cNvSpPr>
-          <p:nvPr>
-            <p:ph type="title"/>
-          </p:nvPr>
-        </p:nvSpPr>
-        <p:spPr/>
+          <p:cNvPr id="6" name="Rectangle 5">
+            <a:extLst>
+              <a:ext uri="{FF2B5EF4-FFF2-40B4-BE49-F238E27FC236}">
+                <a16:creationId xmlns:a16="http://schemas.microsoft.com/office/drawing/2014/main" id="{89697257-A466-A64E-B87A-BE7DC5857BAD}"/>
+              </a:ext>
+            </a:extLst>
+          </p:cNvPr>
+          <p:cNvSpPr/>
+          <p:nvPr/>
+        </p:nvSpPr>
+        <p:spPr>
+          <a:xfrm>
+            <a:off x="5124893" y="6604506"/>
+            <a:ext cx="7208874" cy="307777"/>
+          </a:xfrm>
+          <a:prstGeom prst="rect">
+            <a:avLst/>
+          </a:prstGeom>
+        </p:spPr>
         <p:txBody>
-          <a:bodyPr/>
+          <a:bodyPr wrap="square">
+            <a:spAutoFit/>
+          </a:bodyPr>
           <a:lstStyle/>
           <a:p>
             <a:r>
-              <a:rPr lang="en-US" dirty="0"/>
-              <a:t>Clock Scaling Ended in 2008</a:t>
-            </a:r>
+              <a:rPr lang="en-US" sz="1400" dirty="0">
+                <a:hlinkClick r:id="rId4"/>
+              </a:rPr>
+              <a:t>https://www.karlrupp.net/2018/02/42-years-of-microprocessor-trend-data/</a:t>
+            </a:r>
+            <a:endParaRPr lang="en-US" sz="1400" dirty="0"/>
           </a:p>
         </p:txBody>
       </p:sp>

--- a/parallel-path-tracing.pptx
+++ b/parallel-path-tracing.pptx
@@ -20,7 +20,7 @@
     <p:sldId id="260" r:id="rId11"/>
     <p:sldId id="264" r:id="rId12"/>
     <p:sldId id="265" r:id="rId13"/>
-    <p:sldId id="267" r:id="rId14"/>
+    <p:sldId id="353" r:id="rId14"/>
     <p:sldId id="349" r:id="rId15"/>
     <p:sldId id="268" r:id="rId16"/>
     <p:sldId id="344" r:id="rId17"/>
@@ -1048,7 +1048,7 @@
     </p:spTree>
     <p:extLst>
       <p:ext uri="{BB962C8B-B14F-4D97-AF65-F5344CB8AC3E}">
-        <p14:creationId xmlns:p14="http://schemas.microsoft.com/office/powerpoint/2010/main" val="1401187691"/>
+        <p14:creationId xmlns:p14="http://schemas.microsoft.com/office/powerpoint/2010/main" val="952377153"/>
       </p:ext>
     </p:extLst>
   </p:cSld>
@@ -11922,10 +11922,10 @@
       </p:pic>
       <p:pic>
         <p:nvPicPr>
-          <p:cNvPr id="3" name="Picture 2">
-            <a:extLst>
-              <a:ext uri="{FF2B5EF4-FFF2-40B4-BE49-F238E27FC236}">
-                <a16:creationId xmlns:a16="http://schemas.microsoft.com/office/drawing/2014/main" id="{F2C0B93A-A9DE-2A45-BBDC-DFE4817499C2}"/>
+          <p:cNvPr id="6" name="Picture 5">
+            <a:extLst>
+              <a:ext uri="{FF2B5EF4-FFF2-40B4-BE49-F238E27FC236}">
+                <a16:creationId xmlns:a16="http://schemas.microsoft.com/office/drawing/2014/main" id="{32BA0DE1-6A44-7A4F-A05B-020B500BA8EB}"/>
               </a:ext>
             </a:extLst>
           </p:cNvPr>
@@ -11941,19 +11941,127 @@
           </a:stretch>
         </p:blipFill>
         <p:spPr>
-          <a:xfrm flipH="1">
-            <a:off x="0" y="1479826"/>
-            <a:ext cx="6753045" cy="5378174"/>
+          <a:xfrm>
+            <a:off x="0" y="1478446"/>
+            <a:ext cx="6781807" cy="5379554"/>
           </a:xfrm>
           <a:prstGeom prst="rect">
             <a:avLst/>
           </a:prstGeom>
         </p:spPr>
       </p:pic>
+      <p:sp>
+        <p:nvSpPr>
+          <p:cNvPr id="7" name="Oval 6">
+            <a:extLst>
+              <a:ext uri="{FF2B5EF4-FFF2-40B4-BE49-F238E27FC236}">
+                <a16:creationId xmlns:a16="http://schemas.microsoft.com/office/drawing/2014/main" id="{7BA662B6-2F49-184F-B246-5542AD9DB069}"/>
+              </a:ext>
+            </a:extLst>
+          </p:cNvPr>
+          <p:cNvSpPr/>
+          <p:nvPr/>
+        </p:nvSpPr>
+        <p:spPr>
+          <a:xfrm>
+            <a:off x="4572001" y="2563906"/>
+            <a:ext cx="1039906" cy="3065929"/>
+          </a:xfrm>
+          <a:prstGeom prst="ellipse">
+            <a:avLst/>
+          </a:prstGeom>
+          <a:noFill/>
+          <a:ln w="57150">
+            <a:solidFill>
+              <a:srgbClr val="FF0000"/>
+            </a:solidFill>
+          </a:ln>
+        </p:spPr>
+        <p:style>
+          <a:lnRef idx="2">
+            <a:schemeClr val="accent1">
+              <a:shade val="50000"/>
+            </a:schemeClr>
+          </a:lnRef>
+          <a:fillRef idx="1">
+            <a:schemeClr val="accent1"/>
+          </a:fillRef>
+          <a:effectRef idx="0">
+            <a:schemeClr val="accent1"/>
+          </a:effectRef>
+          <a:fontRef idx="minor">
+            <a:schemeClr val="lt1"/>
+          </a:fontRef>
+        </p:style>
+        <p:txBody>
+          <a:bodyPr rtlCol="0" anchor="ctr"/>
+          <a:lstStyle/>
+          <a:p>
+            <a:pPr algn="ctr"/>
+            <a:endParaRPr lang="en-US"/>
+          </a:p>
+        </p:txBody>
+      </p:sp>
+      <p:sp>
+        <p:nvSpPr>
+          <p:cNvPr id="8" name="TextBox 7">
+            <a:extLst>
+              <a:ext uri="{FF2B5EF4-FFF2-40B4-BE49-F238E27FC236}">
+                <a16:creationId xmlns:a16="http://schemas.microsoft.com/office/drawing/2014/main" id="{307B6F87-71D8-964B-9C8A-099A3D1E8D8D}"/>
+              </a:ext>
+            </a:extLst>
+          </p:cNvPr>
+          <p:cNvSpPr txBox="1"/>
+          <p:nvPr/>
+        </p:nvSpPr>
+        <p:spPr>
+          <a:xfrm>
+            <a:off x="4108058" y="1658439"/>
+            <a:ext cx="3975884" cy="646331"/>
+          </a:xfrm>
+          <a:prstGeom prst="rect">
+            <a:avLst/>
+          </a:prstGeom>
+          <a:noFill/>
+        </p:spPr>
+        <p:txBody>
+          <a:bodyPr wrap="square" rtlCol="0">
+            <a:spAutoFit/>
+          </a:bodyPr>
+          <a:lstStyle/>
+          <a:p>
+            <a:pPr algn="ctr"/>
+            <a:r>
+              <a:rPr lang="en-US" dirty="0">
+                <a:solidFill>
+                  <a:srgbClr val="FF0000"/>
+                </a:solidFill>
+              </a:rPr>
+              <a:t>“</a:t>
+            </a:r>
+            <a:r>
+              <a:rPr lang="en-US">
+                <a:solidFill>
+                  <a:srgbClr val="FF0000"/>
+                </a:solidFill>
+              </a:rPr>
+              <a:t>Bubble”: opportunity </a:t>
+            </a:r>
+            <a:r>
+              <a:rPr lang="en-US" dirty="0">
+                <a:solidFill>
+                  <a:srgbClr val="FF0000"/>
+                </a:solidFill>
+              </a:rPr>
+              <a:t>that, once missed, is lost throughout the pipeline!</a:t>
+            </a:r>
+          </a:p>
+        </p:txBody>
+      </p:sp>
     </p:spTree>
     <p:extLst>
       <p:ext uri="{BB962C8B-B14F-4D97-AF65-F5344CB8AC3E}">
-        <p14:creationId xmlns:p14="http://schemas.microsoft.com/office/powerpoint/2010/main" val="2334222271"/>
+        <p14:creationId xmlns:p14="http://schemas.microsoft.com/office/powerpoint/2010/main" val="182964159"/>
       </p:ext>
     </p:extLst>
   </p:cSld>
@@ -11981,7 +12089,7 @@
                             </p:stCondLst>
                             <p:childTnLst>
                               <p:par>
-                                <p:cTn id="5" presetID="1" presetClass="entr" presetSubtype="0" fill="hold" nodeType="clickEffect">
+                                <p:cTn id="5" presetID="1" presetClass="entr" presetSubtype="0" fill="hold" grpId="0" nodeType="clickEffect">
                                   <p:stCondLst>
                                     <p:cond delay="0"/>
                                   </p:stCondLst>
@@ -11989,51 +12097,6 @@
                                     <p:set>
                                       <p:cBhvr>
                                         <p:cTn id="6" dur="1" fill="hold">
-                                          <p:stCondLst>
-                                            <p:cond delay="0"/>
-                                          </p:stCondLst>
-                                        </p:cTn>
-                                        <p:tgtEl>
-                                          <p:spTgt spid="3"/>
-                                        </p:tgtEl>
-                                        <p:attrNameLst>
-                                          <p:attrName>style.visibility</p:attrName>
-                                        </p:attrNameLst>
-                                      </p:cBhvr>
-                                      <p:to>
-                                        <p:strVal val="visible"/>
-                                      </p:to>
-                                    </p:set>
-                                  </p:childTnLst>
-                                </p:cTn>
-                              </p:par>
-                            </p:childTnLst>
-                          </p:cTn>
-                        </p:par>
-                      </p:childTnLst>
-                    </p:cTn>
-                  </p:par>
-                  <p:par>
-                    <p:cTn id="7" fill="hold">
-                      <p:stCondLst>
-                        <p:cond delay="indefinite"/>
-                      </p:stCondLst>
-                      <p:childTnLst>
-                        <p:par>
-                          <p:cTn id="8" fill="hold">
-                            <p:stCondLst>
-                              <p:cond delay="0"/>
-                            </p:stCondLst>
-                            <p:childTnLst>
-                              <p:par>
-                                <p:cTn id="9" presetID="1" presetClass="entr" presetSubtype="0" fill="hold" grpId="0" nodeType="clickEffect">
-                                  <p:stCondLst>
-                                    <p:cond delay="0"/>
-                                  </p:stCondLst>
-                                  <p:childTnLst>
-                                    <p:set>
-                                      <p:cBhvr>
-                                        <p:cTn id="10" dur="1" fill="hold">
                                           <p:stCondLst>
                                             <p:cond delay="0"/>
                                           </p:stCondLst>

--- a/parallel-path-tracing.pptx
+++ b/parallel-path-tracing.pptx
@@ -1811,7 +1811,7 @@
           <a:p>
             <a:r>
               <a:rPr lang="en-US" dirty="0"/>
-              <a:t>If you look horizontally, there’s a lot of repetition. That’s the recursive path. If we change that to iteration, it is just a tight loop…</a:t>
+              <a:t>If you look horizontally, there’s a lot of repetition. That’s the recursive path. If we change that to iteration, it is just a tight loop…  </a:t>
             </a:r>
           </a:p>
         </p:txBody>
@@ -2260,6 +2260,83 @@
             <a:r>
               <a:rPr lang="en-US" dirty="0"/>
               <a:t>…we’ll see papers on all of this!]</a:t>
+            </a:r>
+          </a:p>
+          <a:p>
+            <a:endParaRPr lang="en-US" dirty="0"/>
+          </a:p>
+          <a:p>
+            <a:r>
+              <a:rPr lang="en-US" dirty="0"/>
+              <a:t>Several good things happen in this structure.</a:t>
+            </a:r>
+          </a:p>
+          <a:p>
+            <a:endParaRPr lang="en-US" dirty="0"/>
+          </a:p>
+          <a:p>
+            <a:pPr marL="228600" indent="-228600">
+              <a:buAutoNum type="arabicPeriod"/>
+            </a:pPr>
+            <a:r>
+              <a:rPr lang="en-US" dirty="0"/>
+              <a:t>we have great instruction cache usage. Each core is going to do a small operations many times until all of the work is processed at that stage: just trace a ray | just shade | just write…</a:t>
+            </a:r>
+          </a:p>
+          <a:p>
+            <a:pPr marL="228600" indent="-228600">
+              <a:buAutoNum type="arabicPeriod"/>
+            </a:pPr>
+            <a:r>
+              <a:rPr lang="en-US" dirty="0"/>
+              <a:t>We have a LOT of work at each stage. We can schedule it to take advantage of the architecture. Assuming that we group threads by binning/”sorting” between steps so that similar work goes to each processor, we can extract </a:t>
+            </a:r>
+            <a:r>
+              <a:rPr lang="en-US" b="1" dirty="0"/>
+              <a:t>coherent execution for instruction parallelism </a:t>
+            </a:r>
+            <a:r>
+              <a:rPr lang="en-US" dirty="0"/>
+              <a:t>and </a:t>
+            </a:r>
+            <a:r>
+              <a:rPr lang="en-US" b="1" dirty="0"/>
+              <a:t>cache efficiency</a:t>
+            </a:r>
+          </a:p>
+          <a:p>
+            <a:pPr marL="228600" indent="-228600">
+              <a:buAutoNum type="arabicPeriod"/>
+            </a:pPr>
+            <a:r>
+              <a:rPr lang="en-US" dirty="0"/>
+              <a:t>Keeping each stage of the program short means fewer registers and thus more </a:t>
+            </a:r>
+            <a:r>
+              <a:rPr lang="en-US" b="1" dirty="0"/>
+              <a:t>occupancy for task parallelism</a:t>
+            </a:r>
+          </a:p>
+          <a:p>
+            <a:pPr marL="228600" indent="-228600">
+              <a:buAutoNum type="arabicPeriod"/>
+            </a:pPr>
+            <a:r>
+              <a:rPr lang="en-US" dirty="0"/>
+              <a:t>Not shown is a compaction step after each write, where paths that have been terminated are squeezed out of the workload for the next iteration across the processor to maintain full </a:t>
+            </a:r>
+            <a:r>
+              <a:rPr lang="en-US" b="1" dirty="0"/>
+              <a:t>occupancy for task parallelism</a:t>
+            </a:r>
+          </a:p>
+          <a:p>
+            <a:endParaRPr lang="en-US" dirty="0"/>
+          </a:p>
+          <a:p>
+            <a:r>
+              <a:rPr lang="en-US" dirty="0"/>
+              <a:t>The bin/sort/compaction is very fast on a GPU in particular. It is a radix-based process that is extremely parallel and asymptotically linear time, and there are highly optimized GPU implementations of this.</a:t>
             </a:r>
           </a:p>
           <a:p>
@@ -11375,9 +11452,9 @@
         <p:grpSpPr>
           <a:xfrm>
             <a:off x="5753838" y="5106838"/>
-            <a:ext cx="4256293" cy="569343"/>
+            <a:ext cx="4674678" cy="569343"/>
             <a:chOff x="5753838" y="5106838"/>
-            <a:chExt cx="4256293" cy="569343"/>
+            <a:chExt cx="4674678" cy="569343"/>
           </a:xfrm>
         </p:grpSpPr>
         <p:cxnSp>
@@ -11438,7 +11515,7 @@
           <p:spPr>
             <a:xfrm>
               <a:off x="5753838" y="5106838"/>
-              <a:ext cx="4256293" cy="369332"/>
+              <a:ext cx="4674678" cy="369332"/>
             </a:xfrm>
             <a:prstGeom prst="rect">
               <a:avLst/>
@@ -11458,7 +11535,7 @@
                   </a:solidFill>
                   <a:latin typeface="Comic Sans MS" panose="030F0902030302020204" pitchFamily="66" charset="0"/>
                 </a:rPr>
-                <a:t>Hey, I’m digging here! Wait your turn!</a:t>
+                <a:t>Hey, I’m digging here! Wait for your turn!</a:t>
               </a:r>
             </a:p>
           </p:txBody>
@@ -11633,10 +11710,10 @@
       </p:pic>
       <p:grpSp>
         <p:nvGrpSpPr>
-          <p:cNvPr id="14" name="Group 13">
-            <a:extLst>
-              <a:ext uri="{FF2B5EF4-FFF2-40B4-BE49-F238E27FC236}">
-                <a16:creationId xmlns:a16="http://schemas.microsoft.com/office/drawing/2014/main" id="{AFA4C824-58AC-0D44-A9F7-2983875E7C29}"/>
+          <p:cNvPr id="5" name="Group 4">
+            <a:extLst>
+              <a:ext uri="{FF2B5EF4-FFF2-40B4-BE49-F238E27FC236}">
+                <a16:creationId xmlns:a16="http://schemas.microsoft.com/office/drawing/2014/main" id="{30221D96-4646-464F-B31A-95F4C0C759A1}"/>
               </a:ext>
             </a:extLst>
           </p:cNvPr>
@@ -11838,6 +11915,81 @@
   <p:clrMapOvr>
     <a:masterClrMapping/>
   </p:clrMapOvr>
+  <p:timing>
+    <p:tnLst>
+      <p:par>
+        <p:cTn id="1" dur="indefinite" restart="never" nodeType="tmRoot">
+          <p:childTnLst>
+            <p:seq concurrent="1" nextAc="seek">
+              <p:cTn id="2" dur="indefinite" nodeType="mainSeq">
+                <p:childTnLst>
+                  <p:par>
+                    <p:cTn id="3" fill="hold">
+                      <p:stCondLst>
+                        <p:cond delay="indefinite"/>
+                      </p:stCondLst>
+                      <p:childTnLst>
+                        <p:par>
+                          <p:cTn id="4" fill="hold">
+                            <p:stCondLst>
+                              <p:cond delay="0"/>
+                            </p:stCondLst>
+                            <p:childTnLst>
+                              <p:par>
+                                <p:cTn id="5" presetID="1" presetClass="entr" presetSubtype="0" fill="hold" nodeType="clickEffect">
+                                  <p:stCondLst>
+                                    <p:cond delay="0"/>
+                                  </p:stCondLst>
+                                  <p:childTnLst>
+                                    <p:set>
+                                      <p:cBhvr>
+                                        <p:cTn id="6" dur="1" fill="hold">
+                                          <p:stCondLst>
+                                            <p:cond delay="0"/>
+                                          </p:stCondLst>
+                                        </p:cTn>
+                                        <p:tgtEl>
+                                          <p:spTgt spid="5"/>
+                                        </p:tgtEl>
+                                        <p:attrNameLst>
+                                          <p:attrName>style.visibility</p:attrName>
+                                        </p:attrNameLst>
+                                      </p:cBhvr>
+                                      <p:to>
+                                        <p:strVal val="visible"/>
+                                      </p:to>
+                                    </p:set>
+                                  </p:childTnLst>
+                                </p:cTn>
+                              </p:par>
+                            </p:childTnLst>
+                          </p:cTn>
+                        </p:par>
+                      </p:childTnLst>
+                    </p:cTn>
+                  </p:par>
+                </p:childTnLst>
+              </p:cTn>
+              <p:prevCondLst>
+                <p:cond evt="onPrev" delay="0">
+                  <p:tgtEl>
+                    <p:sldTgt/>
+                  </p:tgtEl>
+                </p:cond>
+              </p:prevCondLst>
+              <p:nextCondLst>
+                <p:cond evt="onNext" delay="0">
+                  <p:tgtEl>
+                    <p:sldTgt/>
+                  </p:tgtEl>
+                </p:cond>
+              </p:nextCondLst>
+            </p:seq>
+          </p:childTnLst>
+        </p:cTn>
+      </p:par>
+    </p:tnLst>
+  </p:timing>
 </p:sld>
 </file>
 
@@ -11881,7 +12033,7 @@
           <a:p>
             <a:r>
               <a:rPr lang="en-US" dirty="0"/>
-              <a:t>An Elevator is </a:t>
+              <a:t>An Escalator is </a:t>
             </a:r>
             <a:r>
               <a:rPr lang="en-US" b="1" dirty="0"/>
@@ -11950,114 +12102,119 @@
           </a:prstGeom>
         </p:spPr>
       </p:pic>
-      <p:sp>
-        <p:nvSpPr>
-          <p:cNvPr id="7" name="Oval 6">
-            <a:extLst>
-              <a:ext uri="{FF2B5EF4-FFF2-40B4-BE49-F238E27FC236}">
-                <a16:creationId xmlns:a16="http://schemas.microsoft.com/office/drawing/2014/main" id="{7BA662B6-2F49-184F-B246-5542AD9DB069}"/>
-              </a:ext>
-            </a:extLst>
-          </p:cNvPr>
-          <p:cNvSpPr/>
+      <p:grpSp>
+        <p:nvGrpSpPr>
+          <p:cNvPr id="3" name="Group 2">
+            <a:extLst>
+              <a:ext uri="{FF2B5EF4-FFF2-40B4-BE49-F238E27FC236}">
+                <a16:creationId xmlns:a16="http://schemas.microsoft.com/office/drawing/2014/main" id="{5A67FB2F-2034-3743-AA0A-18BEDD747221}"/>
+              </a:ext>
+            </a:extLst>
+          </p:cNvPr>
+          <p:cNvGrpSpPr/>
           <p:nvPr/>
-        </p:nvSpPr>
-        <p:spPr>
-          <a:xfrm>
-            <a:off x="4572001" y="2563906"/>
-            <a:ext cx="1039906" cy="3065929"/>
-          </a:xfrm>
-          <a:prstGeom prst="ellipse">
-            <a:avLst/>
-          </a:prstGeom>
-          <a:noFill/>
-          <a:ln w="57150">
-            <a:solidFill>
-              <a:srgbClr val="FF0000"/>
-            </a:solidFill>
-          </a:ln>
-        </p:spPr>
-        <p:style>
-          <a:lnRef idx="2">
-            <a:schemeClr val="accent1">
-              <a:shade val="50000"/>
-            </a:schemeClr>
-          </a:lnRef>
-          <a:fillRef idx="1">
-            <a:schemeClr val="accent1"/>
-          </a:fillRef>
-          <a:effectRef idx="0">
-            <a:schemeClr val="accent1"/>
-          </a:effectRef>
-          <a:fontRef idx="minor">
-            <a:schemeClr val="lt1"/>
-          </a:fontRef>
-        </p:style>
-        <p:txBody>
-          <a:bodyPr rtlCol="0" anchor="ctr"/>
-          <a:lstStyle/>
-          <a:p>
-            <a:pPr algn="ctr"/>
-            <a:endParaRPr lang="en-US"/>
-          </a:p>
-        </p:txBody>
-      </p:sp>
-      <p:sp>
-        <p:nvSpPr>
-          <p:cNvPr id="8" name="TextBox 7">
-            <a:extLst>
-              <a:ext uri="{FF2B5EF4-FFF2-40B4-BE49-F238E27FC236}">
-                <a16:creationId xmlns:a16="http://schemas.microsoft.com/office/drawing/2014/main" id="{307B6F87-71D8-964B-9C8A-099A3D1E8D8D}"/>
-              </a:ext>
-            </a:extLst>
-          </p:cNvPr>
-          <p:cNvSpPr txBox="1"/>
-          <p:nvPr/>
-        </p:nvSpPr>
-        <p:spPr>
+        </p:nvGrpSpPr>
+        <p:grpSpPr>
           <a:xfrm>
             <a:off x="4108058" y="1658439"/>
-            <a:ext cx="3975884" cy="646331"/>
+            <a:ext cx="3975884" cy="3971396"/>
+            <a:chOff x="4108058" y="1658439"/>
+            <a:chExt cx="3975884" cy="3971396"/>
           </a:xfrm>
-          <a:prstGeom prst="rect">
-            <a:avLst/>
-          </a:prstGeom>
-          <a:noFill/>
-        </p:spPr>
-        <p:txBody>
-          <a:bodyPr wrap="square" rtlCol="0">
-            <a:spAutoFit/>
-          </a:bodyPr>
-          <a:lstStyle/>
-          <a:p>
-            <a:pPr algn="ctr"/>
-            <a:r>
-              <a:rPr lang="en-US" dirty="0">
-                <a:solidFill>
-                  <a:srgbClr val="FF0000"/>
-                </a:solidFill>
-              </a:rPr>
-              <a:t>“</a:t>
-            </a:r>
-            <a:r>
-              <a:rPr lang="en-US">
-                <a:solidFill>
-                  <a:srgbClr val="FF0000"/>
-                </a:solidFill>
-              </a:rPr>
-              <a:t>Bubble”: opportunity </a:t>
-            </a:r>
-            <a:r>
-              <a:rPr lang="en-US" dirty="0">
-                <a:solidFill>
-                  <a:srgbClr val="FF0000"/>
-                </a:solidFill>
-              </a:rPr>
-              <a:t>that, once missed, is lost throughout the pipeline!</a:t>
-            </a:r>
-          </a:p>
-        </p:txBody>
-      </p:sp>
+        </p:grpSpPr>
+        <p:sp>
+          <p:nvSpPr>
+            <p:cNvPr id="7" name="Oval 6">
+              <a:extLst>
+                <a:ext uri="{FF2B5EF4-FFF2-40B4-BE49-F238E27FC236}">
+                  <a16:creationId xmlns:a16="http://schemas.microsoft.com/office/drawing/2014/main" id="{7BA662B6-2F49-184F-B246-5542AD9DB069}"/>
+                </a:ext>
+              </a:extLst>
+            </p:cNvPr>
+            <p:cNvSpPr/>
+            <p:nvPr/>
+          </p:nvSpPr>
+          <p:spPr>
+            <a:xfrm>
+              <a:off x="4572001" y="2563906"/>
+              <a:ext cx="1039906" cy="3065929"/>
+            </a:xfrm>
+            <a:prstGeom prst="ellipse">
+              <a:avLst/>
+            </a:prstGeom>
+            <a:noFill/>
+            <a:ln w="57150">
+              <a:solidFill>
+                <a:srgbClr val="FF0000"/>
+              </a:solidFill>
+            </a:ln>
+          </p:spPr>
+          <p:style>
+            <a:lnRef idx="2">
+              <a:schemeClr val="accent1">
+                <a:shade val="50000"/>
+              </a:schemeClr>
+            </a:lnRef>
+            <a:fillRef idx="1">
+              <a:schemeClr val="accent1"/>
+            </a:fillRef>
+            <a:effectRef idx="0">
+              <a:schemeClr val="accent1"/>
+            </a:effectRef>
+            <a:fontRef idx="minor">
+              <a:schemeClr val="lt1"/>
+            </a:fontRef>
+          </p:style>
+          <p:txBody>
+            <a:bodyPr rtlCol="0" anchor="ctr"/>
+            <a:lstStyle/>
+            <a:p>
+              <a:pPr algn="ctr"/>
+              <a:endParaRPr lang="en-US"/>
+            </a:p>
+          </p:txBody>
+        </p:sp>
+        <p:sp>
+          <p:nvSpPr>
+            <p:cNvPr id="8" name="TextBox 7">
+              <a:extLst>
+                <a:ext uri="{FF2B5EF4-FFF2-40B4-BE49-F238E27FC236}">
+                  <a16:creationId xmlns:a16="http://schemas.microsoft.com/office/drawing/2014/main" id="{307B6F87-71D8-964B-9C8A-099A3D1E8D8D}"/>
+                </a:ext>
+              </a:extLst>
+            </p:cNvPr>
+            <p:cNvSpPr txBox="1"/>
+            <p:nvPr/>
+          </p:nvSpPr>
+          <p:spPr>
+            <a:xfrm>
+              <a:off x="4108058" y="1658439"/>
+              <a:ext cx="3975884" cy="646331"/>
+            </a:xfrm>
+            <a:prstGeom prst="rect">
+              <a:avLst/>
+            </a:prstGeom>
+            <a:noFill/>
+          </p:spPr>
+          <p:txBody>
+            <a:bodyPr wrap="square" rtlCol="0">
+              <a:spAutoFit/>
+            </a:bodyPr>
+            <a:lstStyle/>
+            <a:p>
+              <a:pPr algn="ctr"/>
+              <a:r>
+                <a:rPr lang="en-US" dirty="0">
+                  <a:solidFill>
+                    <a:srgbClr val="FF0000"/>
+                  </a:solidFill>
+                </a:rPr>
+                <a:t>“Bubble”: opportunity that, once missed, is lost throughout the pipeline!</a:t>
+              </a:r>
+            </a:p>
+          </p:txBody>
+        </p:sp>
+      </p:grpSp>
     </p:spTree>
     <p:extLst>
       <p:ext uri="{BB962C8B-B14F-4D97-AF65-F5344CB8AC3E}">
@@ -12089,7 +12246,7 @@
                             </p:stCondLst>
                             <p:childTnLst>
                               <p:par>
-                                <p:cTn id="5" presetID="1" presetClass="entr" presetSubtype="0" fill="hold" grpId="0" nodeType="clickEffect">
+                                <p:cTn id="5" presetID="1" presetClass="entr" presetSubtype="0" fill="hold" nodeType="clickEffect">
                                   <p:stCondLst>
                                     <p:cond delay="0"/>
                                   </p:stCondLst>
@@ -12102,7 +12259,97 @@
                                           </p:stCondLst>
                                         </p:cTn>
                                         <p:tgtEl>
+                                          <p:spTgt spid="6"/>
+                                        </p:tgtEl>
+                                        <p:attrNameLst>
+                                          <p:attrName>style.visibility</p:attrName>
+                                        </p:attrNameLst>
+                                      </p:cBhvr>
+                                      <p:to>
+                                        <p:strVal val="visible"/>
+                                      </p:to>
+                                    </p:set>
+                                  </p:childTnLst>
+                                </p:cTn>
+                              </p:par>
+                            </p:childTnLst>
+                          </p:cTn>
+                        </p:par>
+                      </p:childTnLst>
+                    </p:cTn>
+                  </p:par>
+                  <p:par>
+                    <p:cTn id="7" fill="hold">
+                      <p:stCondLst>
+                        <p:cond delay="indefinite"/>
+                      </p:stCondLst>
+                      <p:childTnLst>
+                        <p:par>
+                          <p:cTn id="8" fill="hold">
+                            <p:stCondLst>
+                              <p:cond delay="0"/>
+                            </p:stCondLst>
+                            <p:childTnLst>
+                              <p:par>
+                                <p:cTn id="9" presetID="1" presetClass="entr" presetSubtype="0" fill="hold" grpId="0" nodeType="clickEffect">
+                                  <p:stCondLst>
+                                    <p:cond delay="0"/>
+                                  </p:stCondLst>
+                                  <p:childTnLst>
+                                    <p:set>
+                                      <p:cBhvr>
+                                        <p:cTn id="10" dur="1" fill="hold">
+                                          <p:stCondLst>
+                                            <p:cond delay="0"/>
+                                          </p:stCondLst>
+                                        </p:cTn>
+                                        <p:tgtEl>
                                           <p:spTgt spid="2"/>
+                                        </p:tgtEl>
+                                        <p:attrNameLst>
+                                          <p:attrName>style.visibility</p:attrName>
+                                        </p:attrNameLst>
+                                      </p:cBhvr>
+                                      <p:to>
+                                        <p:strVal val="visible"/>
+                                      </p:to>
+                                    </p:set>
+                                  </p:childTnLst>
+                                </p:cTn>
+                              </p:par>
+                            </p:childTnLst>
+                          </p:cTn>
+                        </p:par>
+                      </p:childTnLst>
+                    </p:cTn>
+                  </p:par>
+                  <p:par>
+                    <p:cTn id="11" fill="hold">
+                      <p:stCondLst>
+                        <p:cond delay="indefinite"/>
+                      </p:stCondLst>
+                      <p:childTnLst>
+                        <p:par>
+                          <p:cTn id="12" fill="hold">
+                            <p:stCondLst>
+                              <p:cond delay="0"/>
+                            </p:stCondLst>
+                            <p:childTnLst>
+                              <p:par>
+                                <p:cTn id="13" presetID="1" presetClass="entr" presetSubtype="0" fill="hold" nodeType="clickEffect">
+                                  <p:stCondLst>
+                                    <p:cond delay="0"/>
+                                  </p:stCondLst>
+                                  <p:childTnLst>
+                                    <p:set>
+                                      <p:cBhvr>
+                                        <p:cTn id="14" dur="1" fill="hold">
+                                          <p:stCondLst>
+                                            <p:cond delay="0"/>
+                                          </p:stCondLst>
+                                        </p:cTn>
+                                        <p:tgtEl>
+                                          <p:spTgt spid="3"/>
                                         </p:tgtEl>
                                         <p:attrNameLst>
                                           <p:attrName>style.visibility</p:attrName>
@@ -13677,8 +13924,8 @@
         </p:nvSpPr>
         <p:spPr>
           <a:xfrm rot="16200000">
-            <a:off x="-774498" y="2370676"/>
-            <a:ext cx="2364750" cy="369332"/>
+            <a:off x="-838618" y="2370676"/>
+            <a:ext cx="2492990" cy="369332"/>
           </a:xfrm>
           <a:prstGeom prst="rect">
             <a:avLst/>
@@ -13723,7 +13970,7 @@
                 <a:ea typeface="+mn-ea"/>
                 <a:cs typeface="+mn-cs"/>
               </a:rPr>
-              <a:t>Repeat 10M times…</a:t>
+              <a:t>Repeat 100M times…</a:t>
             </a:r>
           </a:p>
         </p:txBody>
@@ -17495,12 +17742,95 @@
           </a:p>
         </p:txBody>
       </p:sp>
-      <p:sp>
-        <p:nvSpPr>
-          <p:cNvPr id="47" name="Rounded Rectangle 46">
-            <a:extLst>
-              <a:ext uri="{FF2B5EF4-FFF2-40B4-BE49-F238E27FC236}">
-                <a16:creationId xmlns:a16="http://schemas.microsoft.com/office/drawing/2014/main" id="{B194065E-6477-534C-A5FC-60F05BB7D75C}"/>
+      <p:cxnSp>
+        <p:nvCxnSpPr>
+          <p:cNvPr id="49" name="Straight Arrow Connector 48">
+            <a:extLst>
+              <a:ext uri="{FF2B5EF4-FFF2-40B4-BE49-F238E27FC236}">
+                <a16:creationId xmlns:a16="http://schemas.microsoft.com/office/drawing/2014/main" id="{FE1D92C6-7FC7-F346-97C5-0DAC3561DD5D}"/>
+              </a:ext>
+            </a:extLst>
+          </p:cNvPr>
+          <p:cNvCxnSpPr>
+            <a:cxnSpLocks/>
+            <a:endCxn id="54" idx="1"/>
+          </p:cNvCxnSpPr>
+          <p:nvPr/>
+        </p:nvCxnSpPr>
+        <p:spPr>
+          <a:xfrm>
+            <a:off x="3823285" y="4595354"/>
+            <a:ext cx="1076530" cy="181292"/>
+          </a:xfrm>
+          <a:prstGeom prst="straightConnector1">
+            <a:avLst/>
+          </a:prstGeom>
+          <a:ln w="38100">
+            <a:tailEnd type="triangle"/>
+          </a:ln>
+        </p:spPr>
+        <p:style>
+          <a:lnRef idx="1">
+            <a:schemeClr val="accent1"/>
+          </a:lnRef>
+          <a:fillRef idx="0">
+            <a:schemeClr val="accent1"/>
+          </a:fillRef>
+          <a:effectRef idx="0">
+            <a:schemeClr val="accent1"/>
+          </a:effectRef>
+          <a:fontRef idx="minor">
+            <a:schemeClr val="tx1"/>
+          </a:fontRef>
+        </p:style>
+      </p:cxnSp>
+      <p:cxnSp>
+        <p:nvCxnSpPr>
+          <p:cNvPr id="51" name="Straight Arrow Connector 50">
+            <a:extLst>
+              <a:ext uri="{FF2B5EF4-FFF2-40B4-BE49-F238E27FC236}">
+                <a16:creationId xmlns:a16="http://schemas.microsoft.com/office/drawing/2014/main" id="{523B5738-DE19-EA4C-A11F-77F601116E65}"/>
+              </a:ext>
+            </a:extLst>
+          </p:cNvPr>
+          <p:cNvCxnSpPr>
+            <a:cxnSpLocks/>
+          </p:cNvCxnSpPr>
+          <p:nvPr/>
+        </p:nvCxnSpPr>
+        <p:spPr>
+          <a:xfrm>
+            <a:off x="2804229" y="4943222"/>
+            <a:ext cx="418299" cy="532939"/>
+          </a:xfrm>
+          <a:prstGeom prst="straightConnector1">
+            <a:avLst/>
+          </a:prstGeom>
+          <a:ln w="38100">
+            <a:tailEnd type="triangle"/>
+          </a:ln>
+        </p:spPr>
+        <p:style>
+          <a:lnRef idx="1">
+            <a:schemeClr val="accent1"/>
+          </a:lnRef>
+          <a:fillRef idx="0">
+            <a:schemeClr val="accent1"/>
+          </a:fillRef>
+          <a:effectRef idx="0">
+            <a:schemeClr val="accent1"/>
+          </a:effectRef>
+          <a:fontRef idx="minor">
+            <a:schemeClr val="tx1"/>
+          </a:fontRef>
+        </p:style>
+      </p:cxnSp>
+      <p:sp>
+        <p:nvSpPr>
+          <p:cNvPr id="52" name="Rounded Rectangle 51">
+            <a:extLst>
+              <a:ext uri="{FF2B5EF4-FFF2-40B4-BE49-F238E27FC236}">
+                <a16:creationId xmlns:a16="http://schemas.microsoft.com/office/drawing/2014/main" id="{172FBD54-B937-3E4B-86AF-16674A484D4F}"/>
               </a:ext>
             </a:extLst>
           </p:cNvPr>
@@ -17509,16 +17839,15 @@
         </p:nvSpPr>
         <p:spPr>
           <a:xfrm>
-            <a:off x="11476383" y="3361422"/>
+            <a:off x="3192798" y="5273202"/>
             <a:ext cx="715617" cy="616226"/>
           </a:xfrm>
           <a:prstGeom prst="roundRect">
             <a:avLst/>
           </a:prstGeom>
           <a:solidFill>
-            <a:schemeClr val="accent6">
-              <a:lumMod val="60000"/>
-              <a:lumOff val="40000"/>
+            <a:schemeClr val="bg1">
+              <a:lumMod val="65000"/>
             </a:schemeClr>
           </a:solidFill>
         </p:spPr>
@@ -17576,112 +17905,30 @@
           </a:p>
         </p:txBody>
       </p:sp>
-      <p:cxnSp>
-        <p:nvCxnSpPr>
-          <p:cNvPr id="49" name="Straight Arrow Connector 48">
-            <a:extLst>
-              <a:ext uri="{FF2B5EF4-FFF2-40B4-BE49-F238E27FC236}">
-                <a16:creationId xmlns:a16="http://schemas.microsoft.com/office/drawing/2014/main" id="{FE1D92C6-7FC7-F346-97C5-0DAC3561DD5D}"/>
-              </a:ext>
-            </a:extLst>
-          </p:cNvPr>
-          <p:cNvCxnSpPr>
-            <a:cxnSpLocks/>
-            <a:endCxn id="54" idx="1"/>
-          </p:cNvCxnSpPr>
+      <p:sp>
+        <p:nvSpPr>
+          <p:cNvPr id="54" name="Rounded Rectangle 53">
+            <a:extLst>
+              <a:ext uri="{FF2B5EF4-FFF2-40B4-BE49-F238E27FC236}">
+                <a16:creationId xmlns:a16="http://schemas.microsoft.com/office/drawing/2014/main" id="{B8C1E60D-C555-B842-9763-F3F9C47E29CD}"/>
+              </a:ext>
+            </a:extLst>
+          </p:cNvPr>
+          <p:cNvSpPr/>
           <p:nvPr/>
-        </p:nvCxnSpPr>
+        </p:nvSpPr>
         <p:spPr>
           <a:xfrm>
-            <a:off x="3823285" y="4595354"/>
-            <a:ext cx="1076530" cy="181292"/>
-          </a:xfrm>
-          <a:prstGeom prst="straightConnector1">
-            <a:avLst/>
-          </a:prstGeom>
-          <a:ln w="38100">
-            <a:tailEnd type="triangle"/>
-          </a:ln>
-        </p:spPr>
-        <p:style>
-          <a:lnRef idx="1">
-            <a:schemeClr val="accent1"/>
-          </a:lnRef>
-          <a:fillRef idx="0">
-            <a:schemeClr val="accent1"/>
-          </a:fillRef>
-          <a:effectRef idx="0">
-            <a:schemeClr val="accent1"/>
-          </a:effectRef>
-          <a:fontRef idx="minor">
-            <a:schemeClr val="tx1"/>
-          </a:fontRef>
-        </p:style>
-      </p:cxnSp>
-      <p:cxnSp>
-        <p:nvCxnSpPr>
-          <p:cNvPr id="51" name="Straight Arrow Connector 50">
-            <a:extLst>
-              <a:ext uri="{FF2B5EF4-FFF2-40B4-BE49-F238E27FC236}">
-                <a16:creationId xmlns:a16="http://schemas.microsoft.com/office/drawing/2014/main" id="{523B5738-DE19-EA4C-A11F-77F601116E65}"/>
-              </a:ext>
-            </a:extLst>
-          </p:cNvPr>
-          <p:cNvCxnSpPr>
-            <a:cxnSpLocks/>
-          </p:cNvCxnSpPr>
-          <p:nvPr/>
-        </p:nvCxnSpPr>
-        <p:spPr>
-          <a:xfrm>
-            <a:off x="2804229" y="4943222"/>
-            <a:ext cx="418299" cy="532939"/>
-          </a:xfrm>
-          <a:prstGeom prst="straightConnector1">
-            <a:avLst/>
-          </a:prstGeom>
-          <a:ln w="38100">
-            <a:tailEnd type="triangle"/>
-          </a:ln>
-        </p:spPr>
-        <p:style>
-          <a:lnRef idx="1">
-            <a:schemeClr val="accent1"/>
-          </a:lnRef>
-          <a:fillRef idx="0">
-            <a:schemeClr val="accent1"/>
-          </a:fillRef>
-          <a:effectRef idx="0">
-            <a:schemeClr val="accent1"/>
-          </a:effectRef>
-          <a:fontRef idx="minor">
-            <a:schemeClr val="tx1"/>
-          </a:fontRef>
-        </p:style>
-      </p:cxnSp>
-      <p:sp>
-        <p:nvSpPr>
-          <p:cNvPr id="52" name="Rounded Rectangle 51">
-            <a:extLst>
-              <a:ext uri="{FF2B5EF4-FFF2-40B4-BE49-F238E27FC236}">
-                <a16:creationId xmlns:a16="http://schemas.microsoft.com/office/drawing/2014/main" id="{172FBD54-B937-3E4B-86AF-16674A484D4F}"/>
-              </a:ext>
-            </a:extLst>
-          </p:cNvPr>
-          <p:cNvSpPr/>
-          <p:nvPr/>
-        </p:nvSpPr>
-        <p:spPr>
-          <a:xfrm>
-            <a:off x="3192798" y="5273202"/>
+            <a:off x="4899815" y="4468533"/>
             <a:ext cx="715617" cy="616226"/>
           </a:xfrm>
           <a:prstGeom prst="roundRect">
             <a:avLst/>
           </a:prstGeom>
           <a:solidFill>
-            <a:schemeClr val="bg1">
-              <a:lumMod val="65000"/>
+            <a:schemeClr val="accent1">
+              <a:lumMod val="60000"/>
+              <a:lumOff val="40000"/>
             </a:schemeClr>
           </a:solidFill>
         </p:spPr>
@@ -17741,10 +17988,10 @@
       </p:sp>
       <p:sp>
         <p:nvSpPr>
-          <p:cNvPr id="54" name="Rounded Rectangle 53">
-            <a:extLst>
-              <a:ext uri="{FF2B5EF4-FFF2-40B4-BE49-F238E27FC236}">
-                <a16:creationId xmlns:a16="http://schemas.microsoft.com/office/drawing/2014/main" id="{B8C1E60D-C555-B842-9763-F3F9C47E29CD}"/>
+          <p:cNvPr id="55" name="Rounded Rectangle 54">
+            <a:extLst>
+              <a:ext uri="{FF2B5EF4-FFF2-40B4-BE49-F238E27FC236}">
+                <a16:creationId xmlns:a16="http://schemas.microsoft.com/office/drawing/2014/main" id="{901948AA-308E-064E-B83D-127C2D5CC45E}"/>
               </a:ext>
             </a:extLst>
           </p:cNvPr>
@@ -17753,14 +18000,14 @@
         </p:nvSpPr>
         <p:spPr>
           <a:xfrm>
-            <a:off x="4899815" y="4468533"/>
+            <a:off x="5620954" y="4468533"/>
             <a:ext cx="715617" cy="616226"/>
           </a:xfrm>
           <a:prstGeom prst="roundRect">
             <a:avLst/>
           </a:prstGeom>
           <a:solidFill>
-            <a:schemeClr val="accent1">
+            <a:schemeClr val="accent5">
               <a:lumMod val="60000"/>
               <a:lumOff val="40000"/>
             </a:schemeClr>
@@ -17820,12 +18067,95 @@
           </a:p>
         </p:txBody>
       </p:sp>
-      <p:sp>
-        <p:nvSpPr>
-          <p:cNvPr id="55" name="Rounded Rectangle 54">
-            <a:extLst>
-              <a:ext uri="{FF2B5EF4-FFF2-40B4-BE49-F238E27FC236}">
-                <a16:creationId xmlns:a16="http://schemas.microsoft.com/office/drawing/2014/main" id="{901948AA-308E-064E-B83D-127C2D5CC45E}"/>
+      <p:cxnSp>
+        <p:nvCxnSpPr>
+          <p:cNvPr id="56" name="Straight Arrow Connector 55">
+            <a:extLst>
+              <a:ext uri="{FF2B5EF4-FFF2-40B4-BE49-F238E27FC236}">
+                <a16:creationId xmlns:a16="http://schemas.microsoft.com/office/drawing/2014/main" id="{2A55AB03-E1EB-3E4B-8E54-E667D957AFCE}"/>
+              </a:ext>
+            </a:extLst>
+          </p:cNvPr>
+          <p:cNvCxnSpPr>
+            <a:cxnSpLocks/>
+            <a:stCxn id="55" idx="3"/>
+          </p:cNvCxnSpPr>
+          <p:nvPr/>
+        </p:nvCxnSpPr>
+        <p:spPr>
+          <a:xfrm flipV="1">
+            <a:off x="6336571" y="4698720"/>
+            <a:ext cx="1472092" cy="77926"/>
+          </a:xfrm>
+          <a:prstGeom prst="straightConnector1">
+            <a:avLst/>
+          </a:prstGeom>
+          <a:ln w="38100">
+            <a:tailEnd type="triangle"/>
+          </a:ln>
+        </p:spPr>
+        <p:style>
+          <a:lnRef idx="1">
+            <a:schemeClr val="accent1"/>
+          </a:lnRef>
+          <a:fillRef idx="0">
+            <a:schemeClr val="accent1"/>
+          </a:fillRef>
+          <a:effectRef idx="0">
+            <a:schemeClr val="accent1"/>
+          </a:effectRef>
+          <a:fontRef idx="minor">
+            <a:schemeClr val="tx1"/>
+          </a:fontRef>
+        </p:style>
+      </p:cxnSp>
+      <p:cxnSp>
+        <p:nvCxnSpPr>
+          <p:cNvPr id="57" name="Straight Arrow Connector 56">
+            <a:extLst>
+              <a:ext uri="{FF2B5EF4-FFF2-40B4-BE49-F238E27FC236}">
+                <a16:creationId xmlns:a16="http://schemas.microsoft.com/office/drawing/2014/main" id="{83581F8E-0317-1748-8600-70F2054B2FB0}"/>
+              </a:ext>
+            </a:extLst>
+          </p:cNvPr>
+          <p:cNvCxnSpPr>
+            <a:cxnSpLocks/>
+          </p:cNvCxnSpPr>
+          <p:nvPr/>
+        </p:nvCxnSpPr>
+        <p:spPr>
+          <a:xfrm>
+            <a:off x="5342024" y="5084759"/>
+            <a:ext cx="418299" cy="532939"/>
+          </a:xfrm>
+          <a:prstGeom prst="straightConnector1">
+            <a:avLst/>
+          </a:prstGeom>
+          <a:ln w="38100">
+            <a:tailEnd type="triangle"/>
+          </a:ln>
+        </p:spPr>
+        <p:style>
+          <a:lnRef idx="1">
+            <a:schemeClr val="accent1"/>
+          </a:lnRef>
+          <a:fillRef idx="0">
+            <a:schemeClr val="accent1"/>
+          </a:fillRef>
+          <a:effectRef idx="0">
+            <a:schemeClr val="accent1"/>
+          </a:effectRef>
+          <a:fontRef idx="minor">
+            <a:schemeClr val="tx1"/>
+          </a:fontRef>
+        </p:style>
+      </p:cxnSp>
+      <p:sp>
+        <p:nvSpPr>
+          <p:cNvPr id="58" name="Rounded Rectangle 57">
+            <a:extLst>
+              <a:ext uri="{FF2B5EF4-FFF2-40B4-BE49-F238E27FC236}">
+                <a16:creationId xmlns:a16="http://schemas.microsoft.com/office/drawing/2014/main" id="{5B24CD8A-3816-E945-BD6B-4C48FCE8AE61}"/>
               </a:ext>
             </a:extLst>
           </p:cNvPr>
@@ -17834,16 +18164,15 @@
         </p:nvSpPr>
         <p:spPr>
           <a:xfrm>
-            <a:off x="5620954" y="4468533"/>
+            <a:off x="5730593" y="5414739"/>
             <a:ext cx="715617" cy="616226"/>
           </a:xfrm>
           <a:prstGeom prst="roundRect">
             <a:avLst/>
           </a:prstGeom>
           <a:solidFill>
-            <a:schemeClr val="accent5">
-              <a:lumMod val="60000"/>
-              <a:lumOff val="40000"/>
+            <a:schemeClr val="bg1">
+              <a:lumMod val="65000"/>
             </a:schemeClr>
           </a:solidFill>
         </p:spPr>
@@ -17901,112 +18230,30 @@
           </a:p>
         </p:txBody>
       </p:sp>
-      <p:cxnSp>
-        <p:nvCxnSpPr>
-          <p:cNvPr id="56" name="Straight Arrow Connector 55">
-            <a:extLst>
-              <a:ext uri="{FF2B5EF4-FFF2-40B4-BE49-F238E27FC236}">
-                <a16:creationId xmlns:a16="http://schemas.microsoft.com/office/drawing/2014/main" id="{2A55AB03-E1EB-3E4B-8E54-E667D957AFCE}"/>
-              </a:ext>
-            </a:extLst>
-          </p:cNvPr>
-          <p:cNvCxnSpPr>
-            <a:cxnSpLocks/>
-            <a:stCxn id="55" idx="3"/>
-          </p:cNvCxnSpPr>
+      <p:sp>
+        <p:nvSpPr>
+          <p:cNvPr id="59" name="Rounded Rectangle 58">
+            <a:extLst>
+              <a:ext uri="{FF2B5EF4-FFF2-40B4-BE49-F238E27FC236}">
+                <a16:creationId xmlns:a16="http://schemas.microsoft.com/office/drawing/2014/main" id="{E7C96A5E-55E1-624C-9CF5-55CB7893B838}"/>
+              </a:ext>
+            </a:extLst>
+          </p:cNvPr>
+          <p:cNvSpPr/>
           <p:nvPr/>
-        </p:nvCxnSpPr>
-        <p:spPr>
-          <a:xfrm flipV="1">
-            <a:off x="6336571" y="4698720"/>
-            <a:ext cx="1472092" cy="77926"/>
-          </a:xfrm>
-          <a:prstGeom prst="straightConnector1">
-            <a:avLst/>
-          </a:prstGeom>
-          <a:ln w="38100">
-            <a:tailEnd type="triangle"/>
-          </a:ln>
-        </p:spPr>
-        <p:style>
-          <a:lnRef idx="1">
-            <a:schemeClr val="accent1"/>
-          </a:lnRef>
-          <a:fillRef idx="0">
-            <a:schemeClr val="accent1"/>
-          </a:fillRef>
-          <a:effectRef idx="0">
-            <a:schemeClr val="accent1"/>
-          </a:effectRef>
-          <a:fontRef idx="minor">
-            <a:schemeClr val="tx1"/>
-          </a:fontRef>
-        </p:style>
-      </p:cxnSp>
-      <p:cxnSp>
-        <p:nvCxnSpPr>
-          <p:cNvPr id="57" name="Straight Arrow Connector 56">
-            <a:extLst>
-              <a:ext uri="{FF2B5EF4-FFF2-40B4-BE49-F238E27FC236}">
-                <a16:creationId xmlns:a16="http://schemas.microsoft.com/office/drawing/2014/main" id="{83581F8E-0317-1748-8600-70F2054B2FB0}"/>
-              </a:ext>
-            </a:extLst>
-          </p:cNvPr>
-          <p:cNvCxnSpPr>
-            <a:cxnSpLocks/>
-          </p:cNvCxnSpPr>
-          <p:nvPr/>
-        </p:nvCxnSpPr>
+        </p:nvSpPr>
         <p:spPr>
           <a:xfrm>
-            <a:off x="5342024" y="5084759"/>
-            <a:ext cx="418299" cy="532939"/>
-          </a:xfrm>
-          <a:prstGeom prst="straightConnector1">
-            <a:avLst/>
-          </a:prstGeom>
-          <a:ln w="38100">
-            <a:tailEnd type="triangle"/>
-          </a:ln>
-        </p:spPr>
-        <p:style>
-          <a:lnRef idx="1">
-            <a:schemeClr val="accent1"/>
-          </a:lnRef>
-          <a:fillRef idx="0">
-            <a:schemeClr val="accent1"/>
-          </a:fillRef>
-          <a:effectRef idx="0">
-            <a:schemeClr val="accent1"/>
-          </a:effectRef>
-          <a:fontRef idx="minor">
-            <a:schemeClr val="tx1"/>
-          </a:fontRef>
-        </p:style>
-      </p:cxnSp>
-      <p:sp>
-        <p:nvSpPr>
-          <p:cNvPr id="58" name="Rounded Rectangle 57">
-            <a:extLst>
-              <a:ext uri="{FF2B5EF4-FFF2-40B4-BE49-F238E27FC236}">
-                <a16:creationId xmlns:a16="http://schemas.microsoft.com/office/drawing/2014/main" id="{5B24CD8A-3816-E945-BD6B-4C48FCE8AE61}"/>
-              </a:ext>
-            </a:extLst>
-          </p:cNvPr>
-          <p:cNvSpPr/>
-          <p:nvPr/>
-        </p:nvSpPr>
-        <p:spPr>
-          <a:xfrm>
-            <a:off x="5730593" y="5414739"/>
+            <a:off x="7778074" y="4468533"/>
             <a:ext cx="715617" cy="616226"/>
           </a:xfrm>
           <a:prstGeom prst="roundRect">
             <a:avLst/>
           </a:prstGeom>
           <a:solidFill>
-            <a:schemeClr val="bg1">
-              <a:lumMod val="65000"/>
+            <a:schemeClr val="accent1">
+              <a:lumMod val="60000"/>
+              <a:lumOff val="40000"/>
             </a:schemeClr>
           </a:solidFill>
         </p:spPr>
@@ -18066,10 +18313,10 @@
       </p:sp>
       <p:sp>
         <p:nvSpPr>
-          <p:cNvPr id="59" name="Rounded Rectangle 58">
-            <a:extLst>
-              <a:ext uri="{FF2B5EF4-FFF2-40B4-BE49-F238E27FC236}">
-                <a16:creationId xmlns:a16="http://schemas.microsoft.com/office/drawing/2014/main" id="{E7C96A5E-55E1-624C-9CF5-55CB7893B838}"/>
+          <p:cNvPr id="60" name="Rounded Rectangle 59">
+            <a:extLst>
+              <a:ext uri="{FF2B5EF4-FFF2-40B4-BE49-F238E27FC236}">
+                <a16:creationId xmlns:a16="http://schemas.microsoft.com/office/drawing/2014/main" id="{8ADAEC60-DA3A-9944-9EDB-01CCFB9A2C24}"/>
               </a:ext>
             </a:extLst>
           </p:cNvPr>
@@ -18078,14 +18325,14 @@
         </p:nvSpPr>
         <p:spPr>
           <a:xfrm>
-            <a:off x="7778074" y="4468533"/>
+            <a:off x="8499213" y="4468533"/>
             <a:ext cx="715617" cy="616226"/>
           </a:xfrm>
           <a:prstGeom prst="roundRect">
             <a:avLst/>
           </a:prstGeom>
           <a:solidFill>
-            <a:schemeClr val="accent1">
+            <a:schemeClr val="accent5">
               <a:lumMod val="60000"/>
               <a:lumOff val="40000"/>
             </a:schemeClr>
@@ -18145,12 +18392,95 @@
           </a:p>
         </p:txBody>
       </p:sp>
-      <p:sp>
-        <p:nvSpPr>
-          <p:cNvPr id="60" name="Rounded Rectangle 59">
-            <a:extLst>
-              <a:ext uri="{FF2B5EF4-FFF2-40B4-BE49-F238E27FC236}">
-                <a16:creationId xmlns:a16="http://schemas.microsoft.com/office/drawing/2014/main" id="{8ADAEC60-DA3A-9944-9EDB-01CCFB9A2C24}"/>
+      <p:cxnSp>
+        <p:nvCxnSpPr>
+          <p:cNvPr id="61" name="Straight Arrow Connector 60">
+            <a:extLst>
+              <a:ext uri="{FF2B5EF4-FFF2-40B4-BE49-F238E27FC236}">
+                <a16:creationId xmlns:a16="http://schemas.microsoft.com/office/drawing/2014/main" id="{32AD23E3-D8EB-964B-9D33-8E7ED90EA99A}"/>
+              </a:ext>
+            </a:extLst>
+          </p:cNvPr>
+          <p:cNvCxnSpPr>
+            <a:cxnSpLocks/>
+            <a:endCxn id="13" idx="2"/>
+          </p:cNvCxnSpPr>
+          <p:nvPr/>
+        </p:nvCxnSpPr>
+        <p:spPr>
+          <a:xfrm flipH="1" flipV="1">
+            <a:off x="10946967" y="2310846"/>
+            <a:ext cx="85468" cy="2284508"/>
+          </a:xfrm>
+          <a:prstGeom prst="straightConnector1">
+            <a:avLst/>
+          </a:prstGeom>
+          <a:ln w="38100">
+            <a:tailEnd type="triangle"/>
+          </a:ln>
+        </p:spPr>
+        <p:style>
+          <a:lnRef idx="1">
+            <a:schemeClr val="accent1"/>
+          </a:lnRef>
+          <a:fillRef idx="0">
+            <a:schemeClr val="accent1"/>
+          </a:fillRef>
+          <a:effectRef idx="0">
+            <a:schemeClr val="accent1"/>
+          </a:effectRef>
+          <a:fontRef idx="minor">
+            <a:schemeClr val="tx1"/>
+          </a:fontRef>
+        </p:style>
+      </p:cxnSp>
+      <p:cxnSp>
+        <p:nvCxnSpPr>
+          <p:cNvPr id="62" name="Straight Arrow Connector 61">
+            <a:extLst>
+              <a:ext uri="{FF2B5EF4-FFF2-40B4-BE49-F238E27FC236}">
+                <a16:creationId xmlns:a16="http://schemas.microsoft.com/office/drawing/2014/main" id="{F154F4DA-FE03-E04C-B0E3-FC712CA108BD}"/>
+              </a:ext>
+            </a:extLst>
+          </p:cNvPr>
+          <p:cNvCxnSpPr>
+            <a:cxnSpLocks/>
+          </p:cNvCxnSpPr>
+          <p:nvPr/>
+        </p:nvCxnSpPr>
+        <p:spPr>
+          <a:xfrm>
+            <a:off x="8220283" y="5084759"/>
+            <a:ext cx="418299" cy="532939"/>
+          </a:xfrm>
+          <a:prstGeom prst="straightConnector1">
+            <a:avLst/>
+          </a:prstGeom>
+          <a:ln w="38100">
+            <a:tailEnd type="triangle"/>
+          </a:ln>
+        </p:spPr>
+        <p:style>
+          <a:lnRef idx="1">
+            <a:schemeClr val="accent1"/>
+          </a:lnRef>
+          <a:fillRef idx="0">
+            <a:schemeClr val="accent1"/>
+          </a:fillRef>
+          <a:effectRef idx="0">
+            <a:schemeClr val="accent1"/>
+          </a:effectRef>
+          <a:fontRef idx="minor">
+            <a:schemeClr val="tx1"/>
+          </a:fontRef>
+        </p:style>
+      </p:cxnSp>
+      <p:sp>
+        <p:nvSpPr>
+          <p:cNvPr id="63" name="Rounded Rectangle 62">
+            <a:extLst>
+              <a:ext uri="{FF2B5EF4-FFF2-40B4-BE49-F238E27FC236}">
+                <a16:creationId xmlns:a16="http://schemas.microsoft.com/office/drawing/2014/main" id="{3E909AF0-8F09-834C-851F-E5521C912CC4}"/>
               </a:ext>
             </a:extLst>
           </p:cNvPr>
@@ -18159,16 +18489,15 @@
         </p:nvSpPr>
         <p:spPr>
           <a:xfrm>
-            <a:off x="8499213" y="4468533"/>
+            <a:off x="8608852" y="5414739"/>
             <a:ext cx="715617" cy="616226"/>
           </a:xfrm>
           <a:prstGeom prst="roundRect">
             <a:avLst/>
           </a:prstGeom>
           <a:solidFill>
-            <a:schemeClr val="accent5">
-              <a:lumMod val="60000"/>
-              <a:lumOff val="40000"/>
+            <a:schemeClr val="bg1">
+              <a:lumMod val="65000"/>
             </a:schemeClr>
           </a:solidFill>
         </p:spPr>
@@ -18226,112 +18555,30 @@
           </a:p>
         </p:txBody>
       </p:sp>
-      <p:cxnSp>
-        <p:nvCxnSpPr>
-          <p:cNvPr id="61" name="Straight Arrow Connector 60">
-            <a:extLst>
-              <a:ext uri="{FF2B5EF4-FFF2-40B4-BE49-F238E27FC236}">
-                <a16:creationId xmlns:a16="http://schemas.microsoft.com/office/drawing/2014/main" id="{32AD23E3-D8EB-964B-9D33-8E7ED90EA99A}"/>
-              </a:ext>
-            </a:extLst>
-          </p:cNvPr>
-          <p:cNvCxnSpPr>
-            <a:cxnSpLocks/>
-            <a:endCxn id="47" idx="1"/>
-          </p:cNvCxnSpPr>
+      <p:sp>
+        <p:nvSpPr>
+          <p:cNvPr id="67" name="Rounded Rectangle 66">
+            <a:extLst>
+              <a:ext uri="{FF2B5EF4-FFF2-40B4-BE49-F238E27FC236}">
+                <a16:creationId xmlns:a16="http://schemas.microsoft.com/office/drawing/2014/main" id="{C249B5D2-0B84-E940-A3E2-5DCD48867434}"/>
+              </a:ext>
+            </a:extLst>
+          </p:cNvPr>
+          <p:cNvSpPr/>
           <p:nvPr/>
-        </p:nvCxnSpPr>
-        <p:spPr>
-          <a:xfrm flipV="1">
-            <a:off x="11032435" y="3669535"/>
-            <a:ext cx="443948" cy="925818"/>
-          </a:xfrm>
-          <a:prstGeom prst="straightConnector1">
-            <a:avLst/>
-          </a:prstGeom>
-          <a:ln w="38100">
-            <a:tailEnd type="triangle"/>
-          </a:ln>
-        </p:spPr>
-        <p:style>
-          <a:lnRef idx="1">
-            <a:schemeClr val="accent1"/>
-          </a:lnRef>
-          <a:fillRef idx="0">
-            <a:schemeClr val="accent1"/>
-          </a:fillRef>
-          <a:effectRef idx="0">
-            <a:schemeClr val="accent1"/>
-          </a:effectRef>
-          <a:fontRef idx="minor">
-            <a:schemeClr val="tx1"/>
-          </a:fontRef>
-        </p:style>
-      </p:cxnSp>
-      <p:cxnSp>
-        <p:nvCxnSpPr>
-          <p:cNvPr id="62" name="Straight Arrow Connector 61">
-            <a:extLst>
-              <a:ext uri="{FF2B5EF4-FFF2-40B4-BE49-F238E27FC236}">
-                <a16:creationId xmlns:a16="http://schemas.microsoft.com/office/drawing/2014/main" id="{F154F4DA-FE03-E04C-B0E3-FC712CA108BD}"/>
-              </a:ext>
-            </a:extLst>
-          </p:cNvPr>
-          <p:cNvCxnSpPr>
-            <a:cxnSpLocks/>
-          </p:cNvCxnSpPr>
-          <p:nvPr/>
-        </p:nvCxnSpPr>
+        </p:nvSpPr>
         <p:spPr>
           <a:xfrm>
-            <a:off x="8220283" y="5084759"/>
-            <a:ext cx="418299" cy="532939"/>
-          </a:xfrm>
-          <a:prstGeom prst="straightConnector1">
-            <a:avLst/>
-          </a:prstGeom>
-          <a:ln w="38100">
-            <a:tailEnd type="triangle"/>
-          </a:ln>
-        </p:spPr>
-        <p:style>
-          <a:lnRef idx="1">
-            <a:schemeClr val="accent1"/>
-          </a:lnRef>
-          <a:fillRef idx="0">
-            <a:schemeClr val="accent1"/>
-          </a:fillRef>
-          <a:effectRef idx="0">
-            <a:schemeClr val="accent1"/>
-          </a:effectRef>
-          <a:fontRef idx="minor">
-            <a:schemeClr val="tx1"/>
-          </a:fontRef>
-        </p:style>
-      </p:cxnSp>
-      <p:sp>
-        <p:nvSpPr>
-          <p:cNvPr id="63" name="Rounded Rectangle 62">
-            <a:extLst>
-              <a:ext uri="{FF2B5EF4-FFF2-40B4-BE49-F238E27FC236}">
-                <a16:creationId xmlns:a16="http://schemas.microsoft.com/office/drawing/2014/main" id="{3E909AF0-8F09-834C-851F-E5521C912CC4}"/>
-              </a:ext>
-            </a:extLst>
-          </p:cNvPr>
-          <p:cNvSpPr/>
-          <p:nvPr/>
-        </p:nvSpPr>
-        <p:spPr>
-          <a:xfrm>
-            <a:off x="8608852" y="5414739"/>
+            <a:off x="9750575" y="4571282"/>
             <a:ext cx="715617" cy="616226"/>
           </a:xfrm>
           <a:prstGeom prst="roundRect">
             <a:avLst/>
           </a:prstGeom>
           <a:solidFill>
-            <a:schemeClr val="bg1">
-              <a:lumMod val="65000"/>
+            <a:schemeClr val="accent1">
+              <a:lumMod val="60000"/>
+              <a:lumOff val="40000"/>
             </a:schemeClr>
           </a:solidFill>
         </p:spPr>
@@ -18391,10 +18638,10 @@
       </p:sp>
       <p:sp>
         <p:nvSpPr>
-          <p:cNvPr id="67" name="Rounded Rectangle 66">
-            <a:extLst>
-              <a:ext uri="{FF2B5EF4-FFF2-40B4-BE49-F238E27FC236}">
-                <a16:creationId xmlns:a16="http://schemas.microsoft.com/office/drawing/2014/main" id="{C249B5D2-0B84-E940-A3E2-5DCD48867434}"/>
+          <p:cNvPr id="68" name="Rounded Rectangle 67">
+            <a:extLst>
+              <a:ext uri="{FF2B5EF4-FFF2-40B4-BE49-F238E27FC236}">
+                <a16:creationId xmlns:a16="http://schemas.microsoft.com/office/drawing/2014/main" id="{0AF4223F-C346-CA4A-A6F8-72B1B438AC87}"/>
               </a:ext>
             </a:extLst>
           </p:cNvPr>
@@ -18403,14 +18650,14 @@
         </p:nvSpPr>
         <p:spPr>
           <a:xfrm>
-            <a:off x="9750575" y="4571282"/>
+            <a:off x="10471714" y="4571282"/>
             <a:ext cx="715617" cy="616226"/>
           </a:xfrm>
           <a:prstGeom prst="roundRect">
             <a:avLst/>
           </a:prstGeom>
           <a:solidFill>
-            <a:schemeClr val="accent1">
+            <a:schemeClr val="accent5">
               <a:lumMod val="60000"/>
               <a:lumOff val="40000"/>
             </a:schemeClr>
@@ -18470,12 +18717,53 @@
           </a:p>
         </p:txBody>
       </p:sp>
-      <p:sp>
-        <p:nvSpPr>
-          <p:cNvPr id="68" name="Rounded Rectangle 67">
-            <a:extLst>
-              <a:ext uri="{FF2B5EF4-FFF2-40B4-BE49-F238E27FC236}">
-                <a16:creationId xmlns:a16="http://schemas.microsoft.com/office/drawing/2014/main" id="{0AF4223F-C346-CA4A-A6F8-72B1B438AC87}"/>
+      <p:cxnSp>
+        <p:nvCxnSpPr>
+          <p:cNvPr id="69" name="Straight Arrow Connector 68">
+            <a:extLst>
+              <a:ext uri="{FF2B5EF4-FFF2-40B4-BE49-F238E27FC236}">
+                <a16:creationId xmlns:a16="http://schemas.microsoft.com/office/drawing/2014/main" id="{0CE122A4-96E6-0F48-9CCC-E4D338DAD7EE}"/>
+              </a:ext>
+            </a:extLst>
+          </p:cNvPr>
+          <p:cNvCxnSpPr>
+            <a:cxnSpLocks/>
+          </p:cNvCxnSpPr>
+          <p:nvPr/>
+        </p:nvCxnSpPr>
+        <p:spPr>
+          <a:xfrm>
+            <a:off x="10192784" y="5187508"/>
+            <a:ext cx="418299" cy="532939"/>
+          </a:xfrm>
+          <a:prstGeom prst="straightConnector1">
+            <a:avLst/>
+          </a:prstGeom>
+          <a:ln w="38100">
+            <a:tailEnd type="triangle"/>
+          </a:ln>
+        </p:spPr>
+        <p:style>
+          <a:lnRef idx="1">
+            <a:schemeClr val="accent1"/>
+          </a:lnRef>
+          <a:fillRef idx="0">
+            <a:schemeClr val="accent1"/>
+          </a:fillRef>
+          <a:effectRef idx="0">
+            <a:schemeClr val="accent1"/>
+          </a:effectRef>
+          <a:fontRef idx="minor">
+            <a:schemeClr val="tx1"/>
+          </a:fontRef>
+        </p:style>
+      </p:cxnSp>
+      <p:sp>
+        <p:nvSpPr>
+          <p:cNvPr id="70" name="Rounded Rectangle 69">
+            <a:extLst>
+              <a:ext uri="{FF2B5EF4-FFF2-40B4-BE49-F238E27FC236}">
+                <a16:creationId xmlns:a16="http://schemas.microsoft.com/office/drawing/2014/main" id="{A24363AB-EDF1-564A-B4D9-A44835143E21}"/>
               </a:ext>
             </a:extLst>
           </p:cNvPr>
@@ -18484,16 +18772,15 @@
         </p:nvSpPr>
         <p:spPr>
           <a:xfrm>
-            <a:off x="10471714" y="4571282"/>
+            <a:off x="10581353" y="5517488"/>
             <a:ext cx="715617" cy="616226"/>
           </a:xfrm>
           <a:prstGeom prst="roundRect">
             <a:avLst/>
           </a:prstGeom>
           <a:solidFill>
-            <a:schemeClr val="accent5">
-              <a:lumMod val="60000"/>
-              <a:lumOff val="40000"/>
+            <a:schemeClr val="bg1">
+              <a:lumMod val="65000"/>
             </a:schemeClr>
           </a:solidFill>
         </p:spPr>
@@ -18553,127 +18840,6 @@
       </p:sp>
       <p:cxnSp>
         <p:nvCxnSpPr>
-          <p:cNvPr id="69" name="Straight Arrow Connector 68">
-            <a:extLst>
-              <a:ext uri="{FF2B5EF4-FFF2-40B4-BE49-F238E27FC236}">
-                <a16:creationId xmlns:a16="http://schemas.microsoft.com/office/drawing/2014/main" id="{0CE122A4-96E6-0F48-9CCC-E4D338DAD7EE}"/>
-              </a:ext>
-            </a:extLst>
-          </p:cNvPr>
-          <p:cNvCxnSpPr>
-            <a:cxnSpLocks/>
-          </p:cNvCxnSpPr>
-          <p:nvPr/>
-        </p:nvCxnSpPr>
-        <p:spPr>
-          <a:xfrm>
-            <a:off x="10192784" y="5187508"/>
-            <a:ext cx="418299" cy="532939"/>
-          </a:xfrm>
-          <a:prstGeom prst="straightConnector1">
-            <a:avLst/>
-          </a:prstGeom>
-          <a:ln w="38100">
-            <a:tailEnd type="triangle"/>
-          </a:ln>
-        </p:spPr>
-        <p:style>
-          <a:lnRef idx="1">
-            <a:schemeClr val="accent1"/>
-          </a:lnRef>
-          <a:fillRef idx="0">
-            <a:schemeClr val="accent1"/>
-          </a:fillRef>
-          <a:effectRef idx="0">
-            <a:schemeClr val="accent1"/>
-          </a:effectRef>
-          <a:fontRef idx="minor">
-            <a:schemeClr val="tx1"/>
-          </a:fontRef>
-        </p:style>
-      </p:cxnSp>
-      <p:sp>
-        <p:nvSpPr>
-          <p:cNvPr id="70" name="Rounded Rectangle 69">
-            <a:extLst>
-              <a:ext uri="{FF2B5EF4-FFF2-40B4-BE49-F238E27FC236}">
-                <a16:creationId xmlns:a16="http://schemas.microsoft.com/office/drawing/2014/main" id="{A24363AB-EDF1-564A-B4D9-A44835143E21}"/>
-              </a:ext>
-            </a:extLst>
-          </p:cNvPr>
-          <p:cNvSpPr/>
-          <p:nvPr/>
-        </p:nvSpPr>
-        <p:spPr>
-          <a:xfrm>
-            <a:off x="10581353" y="5517488"/>
-            <a:ext cx="715617" cy="616226"/>
-          </a:xfrm>
-          <a:prstGeom prst="roundRect">
-            <a:avLst/>
-          </a:prstGeom>
-          <a:solidFill>
-            <a:schemeClr val="bg1">
-              <a:lumMod val="65000"/>
-            </a:schemeClr>
-          </a:solidFill>
-        </p:spPr>
-        <p:style>
-          <a:lnRef idx="2">
-            <a:schemeClr val="accent1">
-              <a:shade val="50000"/>
-            </a:schemeClr>
-          </a:lnRef>
-          <a:fillRef idx="1">
-            <a:schemeClr val="accent1"/>
-          </a:fillRef>
-          <a:effectRef idx="0">
-            <a:schemeClr val="accent1"/>
-          </a:effectRef>
-          <a:fontRef idx="minor">
-            <a:schemeClr val="lt1"/>
-          </a:fontRef>
-        </p:style>
-        <p:txBody>
-          <a:bodyPr rtlCol="0" anchor="ctr"/>
-          <a:lstStyle/>
-          <a:p>
-            <a:pPr marL="0" marR="0" lvl="0" indent="0" algn="ctr" defTabSz="914400" rtl="0" eaLnBrk="1" fontAlgn="auto" latinLnBrk="0" hangingPunct="1">
-              <a:lnSpc>
-                <a:spcPct val="100000"/>
-              </a:lnSpc>
-              <a:spcBef>
-                <a:spcPts val="0"/>
-              </a:spcBef>
-              <a:spcAft>
-                <a:spcPts val="0"/>
-              </a:spcAft>
-              <a:buClrTx/>
-              <a:buSzTx/>
-              <a:buFontTx/>
-              <a:buNone/>
-              <a:tabLst/>
-              <a:defRPr/>
-            </a:pPr>
-            <a:endParaRPr kumimoji="0" lang="en-US" sz="1800" b="0" i="0" u="none" strike="noStrike" kern="1200" cap="none" spc="0" normalizeH="0" baseline="0" noProof="0">
-              <a:ln>
-                <a:noFill/>
-              </a:ln>
-              <a:solidFill>
-                <a:srgbClr val="FFFFFF"/>
-              </a:solidFill>
-              <a:effectLst/>
-              <a:uLnTx/>
-              <a:uFillTx/>
-              <a:latin typeface="Arial" panose="020B0604020202020204"/>
-              <a:ea typeface="+mn-ea"/>
-              <a:cs typeface="+mn-cs"/>
-            </a:endParaRPr>
-          </a:p>
-        </p:txBody>
-      </p:sp>
-      <p:cxnSp>
-        <p:nvCxnSpPr>
           <p:cNvPr id="72" name="Straight Arrow Connector 71">
             <a:extLst>
               <a:ext uri="{FF2B5EF4-FFF2-40B4-BE49-F238E27FC236}">
@@ -18789,6 +18955,88 @@
           </a:p>
         </p:txBody>
       </p:sp>
+      <p:cxnSp>
+        <p:nvCxnSpPr>
+          <p:cNvPr id="64" name="Straight Arrow Connector 63">
+            <a:extLst>
+              <a:ext uri="{FF2B5EF4-FFF2-40B4-BE49-F238E27FC236}">
+                <a16:creationId xmlns:a16="http://schemas.microsoft.com/office/drawing/2014/main" id="{CCD8078B-0121-5847-BC30-113AD6986DB1}"/>
+              </a:ext>
+            </a:extLst>
+          </p:cNvPr>
+          <p:cNvCxnSpPr>
+            <a:cxnSpLocks/>
+          </p:cNvCxnSpPr>
+          <p:nvPr/>
+        </p:nvCxnSpPr>
+        <p:spPr>
+          <a:xfrm flipV="1">
+            <a:off x="10589158" y="2447416"/>
+            <a:ext cx="357809" cy="1659634"/>
+          </a:xfrm>
+          <a:prstGeom prst="straightConnector1">
+            <a:avLst/>
+          </a:prstGeom>
+          <a:ln w="38100">
+            <a:tailEnd type="triangle"/>
+          </a:ln>
+        </p:spPr>
+        <p:style>
+          <a:lnRef idx="1">
+            <a:schemeClr val="accent1"/>
+          </a:lnRef>
+          <a:fillRef idx="0">
+            <a:schemeClr val="accent1"/>
+          </a:fillRef>
+          <a:effectRef idx="0">
+            <a:schemeClr val="accent1"/>
+          </a:effectRef>
+          <a:fontRef idx="minor">
+            <a:schemeClr val="tx1"/>
+          </a:fontRef>
+        </p:style>
+      </p:cxnSp>
+      <p:cxnSp>
+        <p:nvCxnSpPr>
+          <p:cNvPr id="65" name="Straight Arrow Connector 64">
+            <a:extLst>
+              <a:ext uri="{FF2B5EF4-FFF2-40B4-BE49-F238E27FC236}">
+                <a16:creationId xmlns:a16="http://schemas.microsoft.com/office/drawing/2014/main" id="{A45F3A9D-CD21-A140-83F7-2741B8ECEA57}"/>
+              </a:ext>
+            </a:extLst>
+          </p:cNvPr>
+          <p:cNvCxnSpPr>
+            <a:cxnSpLocks/>
+          </p:cNvCxnSpPr>
+          <p:nvPr/>
+        </p:nvCxnSpPr>
+        <p:spPr>
+          <a:xfrm flipV="1">
+            <a:off x="10231349" y="2409245"/>
+            <a:ext cx="715618" cy="1834375"/>
+          </a:xfrm>
+          <a:prstGeom prst="straightConnector1">
+            <a:avLst/>
+          </a:prstGeom>
+          <a:ln w="38100">
+            <a:tailEnd type="triangle"/>
+          </a:ln>
+        </p:spPr>
+        <p:style>
+          <a:lnRef idx="1">
+            <a:schemeClr val="accent1"/>
+          </a:lnRef>
+          <a:fillRef idx="0">
+            <a:schemeClr val="accent1"/>
+          </a:fillRef>
+          <a:effectRef idx="0">
+            <a:schemeClr val="accent1"/>
+          </a:effectRef>
+          <a:fontRef idx="minor">
+            <a:schemeClr val="tx1"/>
+          </a:fontRef>
+        </p:style>
+      </p:cxnSp>
     </p:spTree>
     <p:extLst>
       <p:ext uri="{BB962C8B-B14F-4D97-AF65-F5344CB8AC3E}">
@@ -25674,7 +25922,7 @@
         </p:nvSpPr>
         <p:spPr>
           <a:xfrm>
-            <a:off x="7262333" y="1780324"/>
+            <a:off x="7520239" y="1780324"/>
             <a:ext cx="915635" cy="369332"/>
           </a:xfrm>
           <a:prstGeom prst="rect">
@@ -25739,7 +25987,7 @@
         </p:nvSpPr>
         <p:spPr>
           <a:xfrm>
-            <a:off x="6590052" y="1778772"/>
+            <a:off x="6683836" y="1778772"/>
             <a:ext cx="719108" cy="369332"/>
           </a:xfrm>
           <a:prstGeom prst="rect">
@@ -25936,7 +26184,7 @@
         </p:nvCxnSpPr>
         <p:spPr>
           <a:xfrm>
-            <a:off x="5254290" y="2363705"/>
+            <a:off x="5137060" y="2363705"/>
             <a:ext cx="491580" cy="226747"/>
           </a:xfrm>
           <a:prstGeom prst="straightConnector1">
@@ -26121,7 +26369,7 @@
         </p:nvSpPr>
         <p:spPr>
           <a:xfrm>
-            <a:off x="7326887" y="2168966"/>
+            <a:off x="7561347" y="2168966"/>
             <a:ext cx="715617" cy="616226"/>
           </a:xfrm>
           <a:prstGeom prst="roundRect">
@@ -26202,7 +26450,7 @@
         </p:nvSpPr>
         <p:spPr>
           <a:xfrm>
-            <a:off x="6575815" y="2168966"/>
+            <a:off x="6669599" y="2168966"/>
             <a:ext cx="715617" cy="616226"/>
           </a:xfrm>
           <a:prstGeom prst="roundRect">
@@ -26283,7 +26531,7 @@
         </p:nvSpPr>
         <p:spPr>
           <a:xfrm>
-            <a:off x="5824742" y="2168966"/>
+            <a:off x="5754404" y="2168966"/>
             <a:ext cx="715617" cy="616226"/>
           </a:xfrm>
           <a:prstGeom prst="roundRect">
@@ -26444,7 +26692,7 @@
         </p:nvSpPr>
         <p:spPr>
           <a:xfrm>
-            <a:off x="7326887" y="2855733"/>
+            <a:off x="7561347" y="2855733"/>
             <a:ext cx="715617" cy="616226"/>
           </a:xfrm>
           <a:prstGeom prst="roundRect">
@@ -26525,7 +26773,7 @@
         </p:nvSpPr>
         <p:spPr>
           <a:xfrm>
-            <a:off x="6575815" y="2855733"/>
+            <a:off x="6669599" y="2855733"/>
             <a:ext cx="715617" cy="616226"/>
           </a:xfrm>
           <a:prstGeom prst="roundRect">
@@ -26606,7 +26854,7 @@
         </p:nvSpPr>
         <p:spPr>
           <a:xfrm>
-            <a:off x="5824742" y="2855733"/>
+            <a:off x="5754404" y="2855733"/>
             <a:ext cx="715617" cy="616226"/>
           </a:xfrm>
           <a:prstGeom prst="roundRect">
@@ -26767,7 +27015,7 @@
         </p:nvSpPr>
         <p:spPr>
           <a:xfrm>
-            <a:off x="7326887" y="3575431"/>
+            <a:off x="7561347" y="3575431"/>
             <a:ext cx="715617" cy="616226"/>
           </a:xfrm>
           <a:prstGeom prst="roundRect">
@@ -26848,7 +27096,7 @@
         </p:nvSpPr>
         <p:spPr>
           <a:xfrm>
-            <a:off x="6575815" y="3575431"/>
+            <a:off x="6669599" y="3575431"/>
             <a:ext cx="715617" cy="616226"/>
           </a:xfrm>
           <a:prstGeom prst="roundRect">
@@ -26929,7 +27177,7 @@
         </p:nvSpPr>
         <p:spPr>
           <a:xfrm>
-            <a:off x="5824742" y="3575431"/>
+            <a:off x="5754404" y="3575431"/>
             <a:ext cx="715617" cy="616226"/>
           </a:xfrm>
           <a:prstGeom prst="roundRect">
@@ -27090,7 +27338,7 @@
         </p:nvSpPr>
         <p:spPr>
           <a:xfrm>
-            <a:off x="7326887" y="4282076"/>
+            <a:off x="7561347" y="4282076"/>
             <a:ext cx="715617" cy="616226"/>
           </a:xfrm>
           <a:prstGeom prst="roundRect">
@@ -27171,7 +27419,7 @@
         </p:nvSpPr>
         <p:spPr>
           <a:xfrm>
-            <a:off x="6575815" y="4282076"/>
+            <a:off x="6669599" y="4282076"/>
             <a:ext cx="715617" cy="616226"/>
           </a:xfrm>
           <a:prstGeom prst="roundRect">
@@ -27252,7 +27500,7 @@
         </p:nvSpPr>
         <p:spPr>
           <a:xfrm>
-            <a:off x="5824742" y="4282076"/>
+            <a:off x="5754404" y="4282076"/>
             <a:ext cx="715617" cy="616226"/>
           </a:xfrm>
           <a:prstGeom prst="roundRect">
@@ -27413,7 +27661,7 @@
         </p:nvSpPr>
         <p:spPr>
           <a:xfrm>
-            <a:off x="7326887" y="4968843"/>
+            <a:off x="7561347" y="4968843"/>
             <a:ext cx="715617" cy="616226"/>
           </a:xfrm>
           <a:prstGeom prst="roundRect">
@@ -27494,7 +27742,7 @@
         </p:nvSpPr>
         <p:spPr>
           <a:xfrm>
-            <a:off x="6575815" y="4968843"/>
+            <a:off x="6669599" y="4968843"/>
             <a:ext cx="715617" cy="616226"/>
           </a:xfrm>
           <a:prstGeom prst="roundRect">
@@ -27575,7 +27823,7 @@
         </p:nvSpPr>
         <p:spPr>
           <a:xfrm>
-            <a:off x="5824742" y="4968843"/>
+            <a:off x="5754404" y="4968843"/>
             <a:ext cx="715617" cy="616226"/>
           </a:xfrm>
           <a:prstGeom prst="roundRect">
@@ -27657,7 +27905,7 @@
         </p:nvCxnSpPr>
         <p:spPr>
           <a:xfrm>
-            <a:off x="5248612" y="3050472"/>
+            <a:off x="5131382" y="3050472"/>
             <a:ext cx="491580" cy="226747"/>
           </a:xfrm>
           <a:prstGeom prst="straightConnector1">
@@ -27698,7 +27946,7 @@
         </p:nvCxnSpPr>
         <p:spPr>
           <a:xfrm>
-            <a:off x="5242934" y="3737239"/>
+            <a:off x="5125704" y="3737239"/>
             <a:ext cx="491580" cy="226747"/>
           </a:xfrm>
           <a:prstGeom prst="straightConnector1">
@@ -27739,7 +27987,7 @@
         </p:nvCxnSpPr>
         <p:spPr>
           <a:xfrm>
-            <a:off x="5237256" y="4424006"/>
+            <a:off x="5120026" y="4424006"/>
             <a:ext cx="491580" cy="226747"/>
           </a:xfrm>
           <a:prstGeom prst="straightConnector1">
@@ -27780,7 +28028,7 @@
         </p:nvCxnSpPr>
         <p:spPr>
           <a:xfrm>
-            <a:off x="5231578" y="5110773"/>
+            <a:off x="5114348" y="5110773"/>
             <a:ext cx="491580" cy="226747"/>
           </a:xfrm>
           <a:prstGeom prst="straightConnector1">
@@ -28335,6 +28583,260 @@
               <a:ea typeface="+mn-ea"/>
               <a:cs typeface="+mn-cs"/>
             </a:endParaRPr>
+          </a:p>
+        </p:txBody>
+      </p:sp>
+      <p:cxnSp>
+        <p:nvCxnSpPr>
+          <p:cNvPr id="7" name="Straight Connector 6">
+            <a:extLst>
+              <a:ext uri="{FF2B5EF4-FFF2-40B4-BE49-F238E27FC236}">
+                <a16:creationId xmlns:a16="http://schemas.microsoft.com/office/drawing/2014/main" id="{F890D53D-2495-254C-998C-6D387D397814}"/>
+              </a:ext>
+            </a:extLst>
+          </p:cNvPr>
+          <p:cNvCxnSpPr>
+            <a:cxnSpLocks/>
+          </p:cNvCxnSpPr>
+          <p:nvPr/>
+        </p:nvCxnSpPr>
+        <p:spPr>
+          <a:xfrm>
+            <a:off x="7449901" y="2239930"/>
+            <a:ext cx="0" cy="3201709"/>
+          </a:xfrm>
+          <a:prstGeom prst="line">
+            <a:avLst/>
+          </a:prstGeom>
+          <a:ln w="76200">
+            <a:solidFill>
+              <a:schemeClr val="accent4"/>
+            </a:solidFill>
+          </a:ln>
+        </p:spPr>
+        <p:style>
+          <a:lnRef idx="1">
+            <a:schemeClr val="accent1"/>
+          </a:lnRef>
+          <a:fillRef idx="0">
+            <a:schemeClr val="accent1"/>
+          </a:fillRef>
+          <a:effectRef idx="0">
+            <a:schemeClr val="accent1"/>
+          </a:effectRef>
+          <a:fontRef idx="minor">
+            <a:schemeClr val="tx1"/>
+          </a:fontRef>
+        </p:style>
+      </p:cxnSp>
+      <p:cxnSp>
+        <p:nvCxnSpPr>
+          <p:cNvPr id="53" name="Straight Connector 52">
+            <a:extLst>
+              <a:ext uri="{FF2B5EF4-FFF2-40B4-BE49-F238E27FC236}">
+                <a16:creationId xmlns:a16="http://schemas.microsoft.com/office/drawing/2014/main" id="{006ECBE6-D32F-B54B-97BA-7C542167E90E}"/>
+              </a:ext>
+            </a:extLst>
+          </p:cNvPr>
+          <p:cNvCxnSpPr>
+            <a:cxnSpLocks/>
+          </p:cNvCxnSpPr>
+          <p:nvPr/>
+        </p:nvCxnSpPr>
+        <p:spPr>
+          <a:xfrm>
+            <a:off x="8365536" y="2282874"/>
+            <a:ext cx="0" cy="3201709"/>
+          </a:xfrm>
+          <a:prstGeom prst="line">
+            <a:avLst/>
+          </a:prstGeom>
+          <a:ln w="76200">
+            <a:solidFill>
+              <a:schemeClr val="accent4"/>
+            </a:solidFill>
+          </a:ln>
+        </p:spPr>
+        <p:style>
+          <a:lnRef idx="1">
+            <a:schemeClr val="accent1"/>
+          </a:lnRef>
+          <a:fillRef idx="0">
+            <a:schemeClr val="accent1"/>
+          </a:fillRef>
+          <a:effectRef idx="0">
+            <a:schemeClr val="accent1"/>
+          </a:effectRef>
+          <a:fontRef idx="minor">
+            <a:schemeClr val="tx1"/>
+          </a:fontRef>
+        </p:style>
+      </p:cxnSp>
+      <p:cxnSp>
+        <p:nvCxnSpPr>
+          <p:cNvPr id="64" name="Straight Connector 63">
+            <a:extLst>
+              <a:ext uri="{FF2B5EF4-FFF2-40B4-BE49-F238E27FC236}">
+                <a16:creationId xmlns:a16="http://schemas.microsoft.com/office/drawing/2014/main" id="{9CDC4077-EECF-8A41-84D0-0B6062D7E578}"/>
+              </a:ext>
+            </a:extLst>
+          </p:cNvPr>
+          <p:cNvCxnSpPr>
+            <a:cxnSpLocks/>
+          </p:cNvCxnSpPr>
+          <p:nvPr/>
+        </p:nvCxnSpPr>
+        <p:spPr>
+          <a:xfrm>
+            <a:off x="6553791" y="2239930"/>
+            <a:ext cx="0" cy="3201709"/>
+          </a:xfrm>
+          <a:prstGeom prst="line">
+            <a:avLst/>
+          </a:prstGeom>
+          <a:ln w="76200">
+            <a:solidFill>
+              <a:schemeClr val="accent4"/>
+            </a:solidFill>
+          </a:ln>
+        </p:spPr>
+        <p:style>
+          <a:lnRef idx="1">
+            <a:schemeClr val="accent1"/>
+          </a:lnRef>
+          <a:fillRef idx="0">
+            <a:schemeClr val="accent1"/>
+          </a:fillRef>
+          <a:effectRef idx="0">
+            <a:schemeClr val="accent1"/>
+          </a:effectRef>
+          <a:fontRef idx="minor">
+            <a:schemeClr val="tx1"/>
+          </a:fontRef>
+        </p:style>
+      </p:cxnSp>
+      <p:cxnSp>
+        <p:nvCxnSpPr>
+          <p:cNvPr id="65" name="Straight Connector 64">
+            <a:extLst>
+              <a:ext uri="{FF2B5EF4-FFF2-40B4-BE49-F238E27FC236}">
+                <a16:creationId xmlns:a16="http://schemas.microsoft.com/office/drawing/2014/main" id="{4A3F8CBF-C28C-6F44-A2BC-F1A1BBE8435F}"/>
+              </a:ext>
+            </a:extLst>
+          </p:cNvPr>
+          <p:cNvCxnSpPr>
+            <a:cxnSpLocks/>
+          </p:cNvCxnSpPr>
+          <p:nvPr/>
+        </p:nvCxnSpPr>
+        <p:spPr>
+          <a:xfrm>
+            <a:off x="5676266" y="2203012"/>
+            <a:ext cx="0" cy="3201709"/>
+          </a:xfrm>
+          <a:prstGeom prst="line">
+            <a:avLst/>
+          </a:prstGeom>
+          <a:ln w="76200">
+            <a:solidFill>
+              <a:schemeClr val="accent4"/>
+            </a:solidFill>
+          </a:ln>
+        </p:spPr>
+        <p:style>
+          <a:lnRef idx="1">
+            <a:schemeClr val="accent1"/>
+          </a:lnRef>
+          <a:fillRef idx="0">
+            <a:schemeClr val="accent1"/>
+          </a:fillRef>
+          <a:effectRef idx="0">
+            <a:schemeClr val="accent1"/>
+          </a:effectRef>
+          <a:fontRef idx="minor">
+            <a:schemeClr val="tx1"/>
+          </a:fontRef>
+        </p:style>
+      </p:cxnSp>
+      <p:cxnSp>
+        <p:nvCxnSpPr>
+          <p:cNvPr id="66" name="Straight Connector 65">
+            <a:extLst>
+              <a:ext uri="{FF2B5EF4-FFF2-40B4-BE49-F238E27FC236}">
+                <a16:creationId xmlns:a16="http://schemas.microsoft.com/office/drawing/2014/main" id="{13ECAD05-B0A6-5540-9984-644BADF83A68}"/>
+              </a:ext>
+            </a:extLst>
+          </p:cNvPr>
+          <p:cNvCxnSpPr>
+            <a:cxnSpLocks/>
+          </p:cNvCxnSpPr>
+          <p:nvPr/>
+        </p:nvCxnSpPr>
+        <p:spPr>
+          <a:xfrm>
+            <a:off x="5079195" y="2203012"/>
+            <a:ext cx="0" cy="3201709"/>
+          </a:xfrm>
+          <a:prstGeom prst="line">
+            <a:avLst/>
+          </a:prstGeom>
+          <a:ln w="76200">
+            <a:solidFill>
+              <a:schemeClr val="accent4"/>
+            </a:solidFill>
+          </a:ln>
+        </p:spPr>
+        <p:style>
+          <a:lnRef idx="1">
+            <a:schemeClr val="accent1"/>
+          </a:lnRef>
+          <a:fillRef idx="0">
+            <a:schemeClr val="accent1"/>
+          </a:fillRef>
+          <a:effectRef idx="0">
+            <a:schemeClr val="accent1"/>
+          </a:effectRef>
+          <a:fontRef idx="minor">
+            <a:schemeClr val="tx1"/>
+          </a:fontRef>
+        </p:style>
+      </p:cxnSp>
+      <p:sp>
+        <p:nvSpPr>
+          <p:cNvPr id="13" name="TextBox 12">
+            <a:extLst>
+              <a:ext uri="{FF2B5EF4-FFF2-40B4-BE49-F238E27FC236}">
+                <a16:creationId xmlns:a16="http://schemas.microsoft.com/office/drawing/2014/main" id="{7857DA3D-9FAC-7340-B831-A3D893A68DA5}"/>
+              </a:ext>
+            </a:extLst>
+          </p:cNvPr>
+          <p:cNvSpPr txBox="1"/>
+          <p:nvPr/>
+        </p:nvSpPr>
+        <p:spPr>
+          <a:xfrm>
+            <a:off x="8205985" y="5523409"/>
+            <a:ext cx="954107" cy="369332"/>
+          </a:xfrm>
+          <a:prstGeom prst="rect">
+            <a:avLst/>
+          </a:prstGeom>
+          <a:noFill/>
+        </p:spPr>
+        <p:txBody>
+          <a:bodyPr wrap="none" rtlCol="0">
+            <a:spAutoFit/>
+          </a:bodyPr>
+          <a:lstStyle/>
+          <a:p>
+            <a:r>
+              <a:rPr lang="en-US" dirty="0">
+                <a:solidFill>
+                  <a:schemeClr val="accent4"/>
+                </a:solidFill>
+              </a:rPr>
+              <a:t>Binning</a:t>
+            </a:r>
           </a:p>
         </p:txBody>
       </p:sp>
